--- a/Cognitive_Presentations/Cognitive_Walkthrough_PPT_by_Ricky.pptx
+++ b/Cognitive_Presentations/Cognitive_Walkthrough_PPT_by_Ricky.pptx
@@ -29,19 +29,6 @@
     <p:sldId id="274" r:id="rId24"/>
     <p:sldId id="275" r:id="rId25"/>
     <p:sldId id="276" r:id="rId26"/>
-    <p:sldId id="277" r:id="rId27"/>
-    <p:sldId id="278" r:id="rId28"/>
-    <p:sldId id="279" r:id="rId29"/>
-    <p:sldId id="280" r:id="rId30"/>
-    <p:sldId id="281" r:id="rId31"/>
-    <p:sldId id="282" r:id="rId32"/>
-    <p:sldId id="283" r:id="rId33"/>
-    <p:sldId id="284" r:id="rId34"/>
-    <p:sldId id="285" r:id="rId35"/>
-    <p:sldId id="286" r:id="rId36"/>
-    <p:sldId id="287" r:id="rId37"/>
-    <p:sldId id="288" r:id="rId38"/>
-    <p:sldId id="289" r:id="rId39"/>
   </p:sldIdLst>
   <p:sldSz cy="5486400" cx="2743200"/>
   <p:notesSz cx="6858000" cy="9144000"/>
@@ -823,7 +810,7 @@
   <p:cSld>
     <p:spTree>
       <p:nvGrpSpPr>
-        <p:cNvPr id="96" name="Shape 96"/>
+        <p:cNvPr id="97" name="Shape 97"/>
         <p:cNvGrpSpPr/>
         <p:nvPr/>
       </p:nvGrpSpPr>
@@ -837,7 +824,7 @@
       </p:grpSpPr>
       <p:sp>
         <p:nvSpPr>
-          <p:cNvPr id="97" name="Google Shape;97;g2dab3c4b46b_0_56:notes"/>
+          <p:cNvPr id="98" name="Google Shape;98;g2dab3c4b46b_0_85:notes"/>
           <p:cNvSpPr/>
           <p:nvPr>
             <p:ph idx="2" type="sldImg"/>
@@ -872,7 +859,7 @@
       </p:sp>
       <p:sp>
         <p:nvSpPr>
-          <p:cNvPr id="98" name="Google Shape;98;g2dab3c4b46b_0_56:notes"/>
+          <p:cNvPr id="99" name="Google Shape;99;g2dab3c4b46b_0_85:notes"/>
           <p:cNvSpPr txBox="1"/>
           <p:nvPr>
             <p:ph idx="1" type="body"/>
@@ -922,7 +909,7 @@
   <p:cSld>
     <p:spTree>
       <p:nvGrpSpPr>
-        <p:cNvPr id="101" name="Shape 101"/>
+        <p:cNvPr id="102" name="Shape 102"/>
         <p:cNvGrpSpPr/>
         <p:nvPr/>
       </p:nvGrpSpPr>
@@ -936,7 +923,7 @@
       </p:grpSpPr>
       <p:sp>
         <p:nvSpPr>
-          <p:cNvPr id="102" name="Google Shape;102;g2dab3c4b46b_0_38:notes"/>
+          <p:cNvPr id="103" name="Google Shape;103;g2dab3c4b46b_0_91:notes"/>
           <p:cNvSpPr/>
           <p:nvPr>
             <p:ph idx="2" type="sldImg"/>
@@ -971,7 +958,7 @@
       </p:sp>
       <p:sp>
         <p:nvSpPr>
-          <p:cNvPr id="103" name="Google Shape;103;g2dab3c4b46b_0_38:notes"/>
+          <p:cNvPr id="104" name="Google Shape;104;g2dab3c4b46b_0_91:notes"/>
           <p:cNvSpPr txBox="1"/>
           <p:nvPr>
             <p:ph idx="1" type="body"/>
@@ -1021,7 +1008,7 @@
   <p:cSld>
     <p:spTree>
       <p:nvGrpSpPr>
-        <p:cNvPr id="106" name="Shape 106"/>
+        <p:cNvPr id="107" name="Shape 107"/>
         <p:cNvGrpSpPr/>
         <p:nvPr/>
       </p:nvGrpSpPr>
@@ -1035,7 +1022,7 @@
       </p:grpSpPr>
       <p:sp>
         <p:nvSpPr>
-          <p:cNvPr id="107" name="Google Shape;107;g2dab3c4b46b_0_62:notes"/>
+          <p:cNvPr id="108" name="Google Shape;108;g2dab3c4b46b_0_156:notes"/>
           <p:cNvSpPr/>
           <p:nvPr>
             <p:ph idx="2" type="sldImg"/>
@@ -1070,7 +1057,7 @@
       </p:sp>
       <p:sp>
         <p:nvSpPr>
-          <p:cNvPr id="108" name="Google Shape;108;g2dab3c4b46b_0_62:notes"/>
+          <p:cNvPr id="109" name="Google Shape;109;g2dab3c4b46b_0_156:notes"/>
           <p:cNvSpPr txBox="1"/>
           <p:nvPr>
             <p:ph idx="1" type="body"/>
@@ -1120,7 +1107,7 @@
   <p:cSld>
     <p:spTree>
       <p:nvGrpSpPr>
-        <p:cNvPr id="111" name="Shape 111"/>
+        <p:cNvPr id="113" name="Shape 113"/>
         <p:cNvGrpSpPr/>
         <p:nvPr/>
       </p:nvGrpSpPr>
@@ -1134,7 +1121,7 @@
       </p:grpSpPr>
       <p:sp>
         <p:nvSpPr>
-          <p:cNvPr id="112" name="Google Shape;112;g2dab3c4b46b_0_223:notes"/>
+          <p:cNvPr id="114" name="Google Shape;114;g2dab3c4b46b_0_161:notes"/>
           <p:cNvSpPr/>
           <p:nvPr>
             <p:ph idx="2" type="sldImg"/>
@@ -1169,7 +1156,7 @@
       </p:sp>
       <p:sp>
         <p:nvSpPr>
-          <p:cNvPr id="113" name="Google Shape;113;g2dab3c4b46b_0_223:notes"/>
+          <p:cNvPr id="115" name="Google Shape;115;g2dab3c4b46b_0_161:notes"/>
           <p:cNvSpPr txBox="1"/>
           <p:nvPr>
             <p:ph idx="1" type="body"/>
@@ -1219,7 +1206,7 @@
   <p:cSld>
     <p:spTree>
       <p:nvGrpSpPr>
-        <p:cNvPr id="116" name="Shape 116"/>
+        <p:cNvPr id="118" name="Shape 118"/>
         <p:cNvGrpSpPr/>
         <p:nvPr/>
       </p:nvGrpSpPr>
@@ -1233,7 +1220,7 @@
       </p:grpSpPr>
       <p:sp>
         <p:nvSpPr>
-          <p:cNvPr id="117" name="Google Shape;117;g2dab3c4b46b_0_67:notes"/>
+          <p:cNvPr id="119" name="Google Shape;119;g2dab3c4b46b_0_167:notes"/>
           <p:cNvSpPr/>
           <p:nvPr>
             <p:ph idx="2" type="sldImg"/>
@@ -1268,7 +1255,7 @@
       </p:sp>
       <p:sp>
         <p:nvSpPr>
-          <p:cNvPr id="118" name="Google Shape;118;g2dab3c4b46b_0_67:notes"/>
+          <p:cNvPr id="120" name="Google Shape;120;g2dab3c4b46b_0_167:notes"/>
           <p:cNvSpPr txBox="1"/>
           <p:nvPr>
             <p:ph idx="1" type="body"/>
@@ -1318,7 +1305,7 @@
   <p:cSld>
     <p:spTree>
       <p:nvGrpSpPr>
-        <p:cNvPr id="121" name="Shape 121"/>
+        <p:cNvPr id="125" name="Shape 125"/>
         <p:cNvGrpSpPr/>
         <p:nvPr/>
       </p:nvGrpSpPr>
@@ -1332,7 +1319,7 @@
       </p:grpSpPr>
       <p:sp>
         <p:nvSpPr>
-          <p:cNvPr id="122" name="Google Shape;122;g2dab3c4b46b_0_73:notes"/>
+          <p:cNvPr id="126" name="Google Shape;126;g2dab3c4b46b_0_173:notes"/>
           <p:cNvSpPr/>
           <p:nvPr>
             <p:ph idx="2" type="sldImg"/>
@@ -1367,7 +1354,7 @@
       </p:sp>
       <p:sp>
         <p:nvSpPr>
-          <p:cNvPr id="123" name="Google Shape;123;g2dab3c4b46b_0_73:notes"/>
+          <p:cNvPr id="127" name="Google Shape;127;g2dab3c4b46b_0_173:notes"/>
           <p:cNvSpPr txBox="1"/>
           <p:nvPr>
             <p:ph idx="1" type="body"/>
@@ -1417,7 +1404,7 @@
   <p:cSld>
     <p:spTree>
       <p:nvGrpSpPr>
-        <p:cNvPr id="126" name="Shape 126"/>
+        <p:cNvPr id="130" name="Shape 130"/>
         <p:cNvGrpSpPr/>
         <p:nvPr/>
       </p:nvGrpSpPr>
@@ -1431,7 +1418,7 @@
       </p:grpSpPr>
       <p:sp>
         <p:nvSpPr>
-          <p:cNvPr id="127" name="Google Shape;127;g2dab3c4b46b_0_79:notes"/>
+          <p:cNvPr id="131" name="Google Shape;131;g2dab3c4b46b_0_185:notes"/>
           <p:cNvSpPr/>
           <p:nvPr>
             <p:ph idx="2" type="sldImg"/>
@@ -1466,7 +1453,7 @@
       </p:sp>
       <p:sp>
         <p:nvSpPr>
-          <p:cNvPr id="128" name="Google Shape;128;g2dab3c4b46b_0_79:notes"/>
+          <p:cNvPr id="132" name="Google Shape;132;g2dab3c4b46b_0_185:notes"/>
           <p:cNvSpPr txBox="1"/>
           <p:nvPr>
             <p:ph idx="1" type="body"/>
@@ -1516,7 +1503,7 @@
   <p:cSld>
     <p:spTree>
       <p:nvGrpSpPr>
-        <p:cNvPr id="131" name="Shape 131"/>
+        <p:cNvPr id="135" name="Shape 135"/>
         <p:cNvGrpSpPr/>
         <p:nvPr/>
       </p:nvGrpSpPr>
@@ -1530,7 +1517,7 @@
       </p:grpSpPr>
       <p:sp>
         <p:nvSpPr>
-          <p:cNvPr id="132" name="Google Shape;132;g2dab3c4b46b_0_85:notes"/>
+          <p:cNvPr id="136" name="Google Shape;136;g2dab3c4b46b_0_179:notes"/>
           <p:cNvSpPr/>
           <p:nvPr>
             <p:ph idx="2" type="sldImg"/>
@@ -1565,7 +1552,7 @@
       </p:sp>
       <p:sp>
         <p:nvSpPr>
-          <p:cNvPr id="133" name="Google Shape;133;g2dab3c4b46b_0_85:notes"/>
+          <p:cNvPr id="137" name="Google Shape;137;g2dab3c4b46b_0_179:notes"/>
           <p:cNvSpPr txBox="1"/>
           <p:nvPr>
             <p:ph idx="1" type="body"/>
@@ -1615,7 +1602,7 @@
   <p:cSld>
     <p:spTree>
       <p:nvGrpSpPr>
-        <p:cNvPr id="136" name="Shape 136"/>
+        <p:cNvPr id="140" name="Shape 140"/>
         <p:cNvGrpSpPr/>
         <p:nvPr/>
       </p:nvGrpSpPr>
@@ -1629,7 +1616,7 @@
       </p:grpSpPr>
       <p:sp>
         <p:nvSpPr>
-          <p:cNvPr id="137" name="Google Shape;137;g2dab3c4b46b_0_91:notes"/>
+          <p:cNvPr id="141" name="Google Shape;141;g2dac446f476_0_6:notes"/>
           <p:cNvSpPr/>
           <p:nvPr>
             <p:ph idx="2" type="sldImg"/>
@@ -1664,7 +1651,7 @@
       </p:sp>
       <p:sp>
         <p:nvSpPr>
-          <p:cNvPr id="138" name="Google Shape;138;g2dab3c4b46b_0_91:notes"/>
+          <p:cNvPr id="142" name="Google Shape;142;g2dac446f476_0_6:notes"/>
           <p:cNvSpPr txBox="1"/>
           <p:nvPr>
             <p:ph idx="1" type="body"/>
@@ -1714,7 +1701,7 @@
   <p:cSld>
     <p:spTree>
       <p:nvGrpSpPr>
-        <p:cNvPr id="141" name="Shape 141"/>
+        <p:cNvPr id="146" name="Shape 146"/>
         <p:cNvGrpSpPr/>
         <p:nvPr/>
       </p:nvGrpSpPr>
@@ -1728,7 +1715,7 @@
       </p:grpSpPr>
       <p:sp>
         <p:nvSpPr>
-          <p:cNvPr id="142" name="Google Shape;142;g2dab3c4b46b_0_97:notes"/>
+          <p:cNvPr id="147" name="Google Shape;147;g2dac446f476_0_11:notes"/>
           <p:cNvSpPr/>
           <p:nvPr>
             <p:ph idx="2" type="sldImg"/>
@@ -1763,7 +1750,7 @@
       </p:sp>
       <p:sp>
         <p:nvSpPr>
-          <p:cNvPr id="143" name="Google Shape;143;g2dab3c4b46b_0_97:notes"/>
+          <p:cNvPr id="148" name="Google Shape;148;g2dac446f476_0_11:notes"/>
           <p:cNvSpPr txBox="1"/>
           <p:nvPr>
             <p:ph idx="1" type="body"/>
@@ -1912,7 +1899,7 @@
   <p:cSld>
     <p:spTree>
       <p:nvGrpSpPr>
-        <p:cNvPr id="146" name="Shape 146"/>
+        <p:cNvPr id="151" name="Shape 151"/>
         <p:cNvGrpSpPr/>
         <p:nvPr/>
       </p:nvGrpSpPr>
@@ -1926,7 +1913,7 @@
       </p:grpSpPr>
       <p:sp>
         <p:nvSpPr>
-          <p:cNvPr id="147" name="Google Shape;147;g2dab3c4b46b_0_102:notes"/>
+          <p:cNvPr id="152" name="Google Shape;152;g2dac446f476_0_17:notes"/>
           <p:cNvSpPr/>
           <p:nvPr>
             <p:ph idx="2" type="sldImg"/>
@@ -1961,7 +1948,7 @@
       </p:sp>
       <p:sp>
         <p:nvSpPr>
-          <p:cNvPr id="148" name="Google Shape;148;g2dab3c4b46b_0_102:notes"/>
+          <p:cNvPr id="153" name="Google Shape;153;g2dac446f476_0_17:notes"/>
           <p:cNvSpPr txBox="1"/>
           <p:nvPr>
             <p:ph idx="1" type="body"/>
@@ -2011,7 +1998,7 @@
   <p:cSld>
     <p:spTree>
       <p:nvGrpSpPr>
-        <p:cNvPr id="151" name="Shape 151"/>
+        <p:cNvPr id="156" name="Shape 156"/>
         <p:cNvGrpSpPr/>
         <p:nvPr/>
       </p:nvGrpSpPr>
@@ -2025,7 +2012,7 @@
       </p:grpSpPr>
       <p:sp>
         <p:nvSpPr>
-          <p:cNvPr id="152" name="Google Shape;152;g2dab3c4b46b_0_108:notes"/>
+          <p:cNvPr id="157" name="Google Shape;157;g2dac446f476_0_23:notes"/>
           <p:cNvSpPr/>
           <p:nvPr>
             <p:ph idx="2" type="sldImg"/>
@@ -2060,799 +2047,7 @@
       </p:sp>
       <p:sp>
         <p:nvSpPr>
-          <p:cNvPr id="153" name="Google Shape;153;g2dab3c4b46b_0_108:notes"/>
-          <p:cNvSpPr txBox="1"/>
-          <p:nvPr>
-            <p:ph idx="1" type="body"/>
-          </p:nvPr>
-        </p:nvSpPr>
-        <p:spPr>
-          <a:xfrm>
-            <a:off x="685800" y="4343400"/>
-            <a:ext cx="5486400" cy="4114800"/>
-          </a:xfrm>
-          <a:prstGeom prst="rect">
-            <a:avLst/>
-          </a:prstGeom>
-        </p:spPr>
-        <p:txBody>
-          <a:bodyPr anchorCtr="0" anchor="t" bIns="91425" lIns="91425" spcFirstLastPara="1" rIns="91425" wrap="square" tIns="91425">
-            <a:noAutofit/>
-          </a:bodyPr>
-          <a:lstStyle/>
-          <a:p>
-            <a:pPr indent="0" lvl="0" marL="0" rtl="0" algn="l">
-              <a:spcBef>
-                <a:spcPts val="0"/>
-              </a:spcBef>
-              <a:spcAft>
-                <a:spcPts val="0"/>
-              </a:spcAft>
-              <a:buNone/>
-            </a:pPr>
-            <a:r>
-              <a:t/>
-            </a:r>
-            <a:endParaRPr/>
-          </a:p>
-        </p:txBody>
-      </p:sp>
-    </p:spTree>
-  </p:cSld>
-  <p:clrMapOvr>
-    <a:masterClrMapping/>
-  </p:clrMapOvr>
-</p:notes>
-</file>
-
-<file path=ppt/notesSlides/notesSlide22.xml><?xml version="1.0" encoding="utf-8"?>
-<p:notes xmlns:a="http://schemas.openxmlformats.org/drawingml/2006/main" xmlns:r="http://schemas.openxmlformats.org/officeDocument/2006/relationships" xmlns:mc="http://schemas.openxmlformats.org/markup-compatibility/2006" xmlns:mv="urn:schemas-microsoft-com:mac:vml" xmlns:p="http://schemas.openxmlformats.org/presentationml/2006/main" xmlns:c="http://schemas.openxmlformats.org/drawingml/2006/chart" xmlns:dgm="http://schemas.openxmlformats.org/drawingml/2006/diagram" xmlns:o="urn:schemas-microsoft-com:office:office" xmlns:v="urn:schemas-microsoft-com:vml" xmlns:pvml="urn:schemas-microsoft-com:office:powerpoint" xmlns:com="http://schemas.openxmlformats.org/drawingml/2006/compatibility" xmlns:p14="http://schemas.microsoft.com/office/powerpoint/2010/main" xmlns:p15="http://schemas.microsoft.com/office/powerpoint/2012/main" xmlns:ahyp="http://schemas.microsoft.com/office/drawing/2018/hyperlinkcolor" showMasterPhAnim="0" showMasterSp="0">
-  <p:cSld>
-    <p:spTree>
-      <p:nvGrpSpPr>
-        <p:cNvPr id="156" name="Shape 156"/>
-        <p:cNvGrpSpPr/>
-        <p:nvPr/>
-      </p:nvGrpSpPr>
-      <p:grpSpPr>
-        <a:xfrm>
-          <a:off x="0" y="0"/>
-          <a:ext cx="0" cy="0"/>
-          <a:chOff x="0" y="0"/>
-          <a:chExt cx="0" cy="0"/>
-        </a:xfrm>
-      </p:grpSpPr>
-      <p:sp>
-        <p:nvSpPr>
-          <p:cNvPr id="157" name="Google Shape;157;g2dab3c4b46b_0_114:notes"/>
-          <p:cNvSpPr/>
-          <p:nvPr>
-            <p:ph idx="2" type="sldImg"/>
-          </p:nvPr>
-        </p:nvSpPr>
-        <p:spPr>
-          <a:xfrm>
-            <a:off x="2572077" y="685800"/>
-            <a:ext cx="1714500" cy="3429000"/>
-          </a:xfrm>
-          <a:custGeom>
-            <a:rect b="b" l="l" r="r" t="t"/>
-            <a:pathLst>
-              <a:path extrusionOk="0" h="120000" w="120000">
-                <a:moveTo>
-                  <a:pt x="0" y="0"/>
-                </a:moveTo>
-                <a:lnTo>
-                  <a:pt x="120000" y="0"/>
-                </a:lnTo>
-                <a:lnTo>
-                  <a:pt x="120000" y="120000"/>
-                </a:lnTo>
-                <a:lnTo>
-                  <a:pt x="0" y="120000"/>
-                </a:lnTo>
-                <a:close/>
-              </a:path>
-            </a:pathLst>
-          </a:custGeom>
-        </p:spPr>
-      </p:sp>
-      <p:sp>
-        <p:nvSpPr>
-          <p:cNvPr id="158" name="Google Shape;158;g2dab3c4b46b_0_114:notes"/>
-          <p:cNvSpPr txBox="1"/>
-          <p:nvPr>
-            <p:ph idx="1" type="body"/>
-          </p:nvPr>
-        </p:nvSpPr>
-        <p:spPr>
-          <a:xfrm>
-            <a:off x="685800" y="4343400"/>
-            <a:ext cx="5486400" cy="4114800"/>
-          </a:xfrm>
-          <a:prstGeom prst="rect">
-            <a:avLst/>
-          </a:prstGeom>
-        </p:spPr>
-        <p:txBody>
-          <a:bodyPr anchorCtr="0" anchor="t" bIns="91425" lIns="91425" spcFirstLastPara="1" rIns="91425" wrap="square" tIns="91425">
-            <a:noAutofit/>
-          </a:bodyPr>
-          <a:lstStyle/>
-          <a:p>
-            <a:pPr indent="0" lvl="0" marL="0" rtl="0" algn="l">
-              <a:spcBef>
-                <a:spcPts val="0"/>
-              </a:spcBef>
-              <a:spcAft>
-                <a:spcPts val="0"/>
-              </a:spcAft>
-              <a:buNone/>
-            </a:pPr>
-            <a:r>
-              <a:t/>
-            </a:r>
-            <a:endParaRPr/>
-          </a:p>
-        </p:txBody>
-      </p:sp>
-    </p:spTree>
-  </p:cSld>
-  <p:clrMapOvr>
-    <a:masterClrMapping/>
-  </p:clrMapOvr>
-</p:notes>
-</file>
-
-<file path=ppt/notesSlides/notesSlide23.xml><?xml version="1.0" encoding="utf-8"?>
-<p:notes xmlns:a="http://schemas.openxmlformats.org/drawingml/2006/main" xmlns:r="http://schemas.openxmlformats.org/officeDocument/2006/relationships" xmlns:mc="http://schemas.openxmlformats.org/markup-compatibility/2006" xmlns:mv="urn:schemas-microsoft-com:mac:vml" xmlns:p="http://schemas.openxmlformats.org/presentationml/2006/main" xmlns:c="http://schemas.openxmlformats.org/drawingml/2006/chart" xmlns:dgm="http://schemas.openxmlformats.org/drawingml/2006/diagram" xmlns:o="urn:schemas-microsoft-com:office:office" xmlns:v="urn:schemas-microsoft-com:vml" xmlns:pvml="urn:schemas-microsoft-com:office:powerpoint" xmlns:com="http://schemas.openxmlformats.org/drawingml/2006/compatibility" xmlns:p14="http://schemas.microsoft.com/office/powerpoint/2010/main" xmlns:p15="http://schemas.microsoft.com/office/powerpoint/2012/main" xmlns:ahyp="http://schemas.microsoft.com/office/drawing/2018/hyperlinkcolor" showMasterPhAnim="0" showMasterSp="0">
-  <p:cSld>
-    <p:spTree>
-      <p:nvGrpSpPr>
-        <p:cNvPr id="161" name="Shape 161"/>
-        <p:cNvGrpSpPr/>
-        <p:nvPr/>
-      </p:nvGrpSpPr>
-      <p:grpSpPr>
-        <a:xfrm>
-          <a:off x="0" y="0"/>
-          <a:ext cx="0" cy="0"/>
-          <a:chOff x="0" y="0"/>
-          <a:chExt cx="0" cy="0"/>
-        </a:xfrm>
-      </p:grpSpPr>
-      <p:sp>
-        <p:nvSpPr>
-          <p:cNvPr id="162" name="Google Shape;162;g2dab3c4b46b_0_120:notes"/>
-          <p:cNvSpPr/>
-          <p:nvPr>
-            <p:ph idx="2" type="sldImg"/>
-          </p:nvPr>
-        </p:nvSpPr>
-        <p:spPr>
-          <a:xfrm>
-            <a:off x="2572077" y="685800"/>
-            <a:ext cx="1714500" cy="3429000"/>
-          </a:xfrm>
-          <a:custGeom>
-            <a:rect b="b" l="l" r="r" t="t"/>
-            <a:pathLst>
-              <a:path extrusionOk="0" h="120000" w="120000">
-                <a:moveTo>
-                  <a:pt x="0" y="0"/>
-                </a:moveTo>
-                <a:lnTo>
-                  <a:pt x="120000" y="0"/>
-                </a:lnTo>
-                <a:lnTo>
-                  <a:pt x="120000" y="120000"/>
-                </a:lnTo>
-                <a:lnTo>
-                  <a:pt x="0" y="120000"/>
-                </a:lnTo>
-                <a:close/>
-              </a:path>
-            </a:pathLst>
-          </a:custGeom>
-        </p:spPr>
-      </p:sp>
-      <p:sp>
-        <p:nvSpPr>
-          <p:cNvPr id="163" name="Google Shape;163;g2dab3c4b46b_0_120:notes"/>
-          <p:cNvSpPr txBox="1"/>
-          <p:nvPr>
-            <p:ph idx="1" type="body"/>
-          </p:nvPr>
-        </p:nvSpPr>
-        <p:spPr>
-          <a:xfrm>
-            <a:off x="685800" y="4343400"/>
-            <a:ext cx="5486400" cy="4114800"/>
-          </a:xfrm>
-          <a:prstGeom prst="rect">
-            <a:avLst/>
-          </a:prstGeom>
-        </p:spPr>
-        <p:txBody>
-          <a:bodyPr anchorCtr="0" anchor="t" bIns="91425" lIns="91425" spcFirstLastPara="1" rIns="91425" wrap="square" tIns="91425">
-            <a:noAutofit/>
-          </a:bodyPr>
-          <a:lstStyle/>
-          <a:p>
-            <a:pPr indent="0" lvl="0" marL="0" rtl="0" algn="l">
-              <a:spcBef>
-                <a:spcPts val="0"/>
-              </a:spcBef>
-              <a:spcAft>
-                <a:spcPts val="0"/>
-              </a:spcAft>
-              <a:buNone/>
-            </a:pPr>
-            <a:r>
-              <a:t/>
-            </a:r>
-            <a:endParaRPr/>
-          </a:p>
-        </p:txBody>
-      </p:sp>
-    </p:spTree>
-  </p:cSld>
-  <p:clrMapOvr>
-    <a:masterClrMapping/>
-  </p:clrMapOvr>
-</p:notes>
-</file>
-
-<file path=ppt/notesSlides/notesSlide24.xml><?xml version="1.0" encoding="utf-8"?>
-<p:notes xmlns:a="http://schemas.openxmlformats.org/drawingml/2006/main" xmlns:r="http://schemas.openxmlformats.org/officeDocument/2006/relationships" xmlns:mc="http://schemas.openxmlformats.org/markup-compatibility/2006" xmlns:mv="urn:schemas-microsoft-com:mac:vml" xmlns:p="http://schemas.openxmlformats.org/presentationml/2006/main" xmlns:c="http://schemas.openxmlformats.org/drawingml/2006/chart" xmlns:dgm="http://schemas.openxmlformats.org/drawingml/2006/diagram" xmlns:o="urn:schemas-microsoft-com:office:office" xmlns:v="urn:schemas-microsoft-com:vml" xmlns:pvml="urn:schemas-microsoft-com:office:powerpoint" xmlns:com="http://schemas.openxmlformats.org/drawingml/2006/compatibility" xmlns:p14="http://schemas.microsoft.com/office/powerpoint/2010/main" xmlns:p15="http://schemas.microsoft.com/office/powerpoint/2012/main" xmlns:ahyp="http://schemas.microsoft.com/office/drawing/2018/hyperlinkcolor" showMasterPhAnim="0" showMasterSp="0">
-  <p:cSld>
-    <p:spTree>
-      <p:nvGrpSpPr>
-        <p:cNvPr id="166" name="Shape 166"/>
-        <p:cNvGrpSpPr/>
-        <p:nvPr/>
-      </p:nvGrpSpPr>
-      <p:grpSpPr>
-        <a:xfrm>
-          <a:off x="0" y="0"/>
-          <a:ext cx="0" cy="0"/>
-          <a:chOff x="0" y="0"/>
-          <a:chExt cx="0" cy="0"/>
-        </a:xfrm>
-      </p:grpSpPr>
-      <p:sp>
-        <p:nvSpPr>
-          <p:cNvPr id="167" name="Google Shape;167;g2dab3c4b46b_0_126:notes"/>
-          <p:cNvSpPr/>
-          <p:nvPr>
-            <p:ph idx="2" type="sldImg"/>
-          </p:nvPr>
-        </p:nvSpPr>
-        <p:spPr>
-          <a:xfrm>
-            <a:off x="2572077" y="685800"/>
-            <a:ext cx="1714500" cy="3429000"/>
-          </a:xfrm>
-          <a:custGeom>
-            <a:rect b="b" l="l" r="r" t="t"/>
-            <a:pathLst>
-              <a:path extrusionOk="0" h="120000" w="120000">
-                <a:moveTo>
-                  <a:pt x="0" y="0"/>
-                </a:moveTo>
-                <a:lnTo>
-                  <a:pt x="120000" y="0"/>
-                </a:lnTo>
-                <a:lnTo>
-                  <a:pt x="120000" y="120000"/>
-                </a:lnTo>
-                <a:lnTo>
-                  <a:pt x="0" y="120000"/>
-                </a:lnTo>
-                <a:close/>
-              </a:path>
-            </a:pathLst>
-          </a:custGeom>
-        </p:spPr>
-      </p:sp>
-      <p:sp>
-        <p:nvSpPr>
-          <p:cNvPr id="168" name="Google Shape;168;g2dab3c4b46b_0_126:notes"/>
-          <p:cNvSpPr txBox="1"/>
-          <p:nvPr>
-            <p:ph idx="1" type="body"/>
-          </p:nvPr>
-        </p:nvSpPr>
-        <p:spPr>
-          <a:xfrm>
-            <a:off x="685800" y="4343400"/>
-            <a:ext cx="5486400" cy="4114800"/>
-          </a:xfrm>
-          <a:prstGeom prst="rect">
-            <a:avLst/>
-          </a:prstGeom>
-        </p:spPr>
-        <p:txBody>
-          <a:bodyPr anchorCtr="0" anchor="t" bIns="91425" lIns="91425" spcFirstLastPara="1" rIns="91425" wrap="square" tIns="91425">
-            <a:noAutofit/>
-          </a:bodyPr>
-          <a:lstStyle/>
-          <a:p>
-            <a:pPr indent="0" lvl="0" marL="0" rtl="0" algn="l">
-              <a:spcBef>
-                <a:spcPts val="0"/>
-              </a:spcBef>
-              <a:spcAft>
-                <a:spcPts val="0"/>
-              </a:spcAft>
-              <a:buNone/>
-            </a:pPr>
-            <a:r>
-              <a:t/>
-            </a:r>
-            <a:endParaRPr/>
-          </a:p>
-        </p:txBody>
-      </p:sp>
-    </p:spTree>
-  </p:cSld>
-  <p:clrMapOvr>
-    <a:masterClrMapping/>
-  </p:clrMapOvr>
-</p:notes>
-</file>
-
-<file path=ppt/notesSlides/notesSlide25.xml><?xml version="1.0" encoding="utf-8"?>
-<p:notes xmlns:a="http://schemas.openxmlformats.org/drawingml/2006/main" xmlns:r="http://schemas.openxmlformats.org/officeDocument/2006/relationships" xmlns:mc="http://schemas.openxmlformats.org/markup-compatibility/2006" xmlns:mv="urn:schemas-microsoft-com:mac:vml" xmlns:p="http://schemas.openxmlformats.org/presentationml/2006/main" xmlns:c="http://schemas.openxmlformats.org/drawingml/2006/chart" xmlns:dgm="http://schemas.openxmlformats.org/drawingml/2006/diagram" xmlns:o="urn:schemas-microsoft-com:office:office" xmlns:v="urn:schemas-microsoft-com:vml" xmlns:pvml="urn:schemas-microsoft-com:office:powerpoint" xmlns:com="http://schemas.openxmlformats.org/drawingml/2006/compatibility" xmlns:p14="http://schemas.microsoft.com/office/powerpoint/2010/main" xmlns:p15="http://schemas.microsoft.com/office/powerpoint/2012/main" xmlns:ahyp="http://schemas.microsoft.com/office/drawing/2018/hyperlinkcolor" showMasterPhAnim="0" showMasterSp="0">
-  <p:cSld>
-    <p:spTree>
-      <p:nvGrpSpPr>
-        <p:cNvPr id="171" name="Shape 171"/>
-        <p:cNvGrpSpPr/>
-        <p:nvPr/>
-      </p:nvGrpSpPr>
-      <p:grpSpPr>
-        <a:xfrm>
-          <a:off x="0" y="0"/>
-          <a:ext cx="0" cy="0"/>
-          <a:chOff x="0" y="0"/>
-          <a:chExt cx="0" cy="0"/>
-        </a:xfrm>
-      </p:grpSpPr>
-      <p:sp>
-        <p:nvSpPr>
-          <p:cNvPr id="172" name="Google Shape;172;g2dab3c4b46b_0_132:notes"/>
-          <p:cNvSpPr/>
-          <p:nvPr>
-            <p:ph idx="2" type="sldImg"/>
-          </p:nvPr>
-        </p:nvSpPr>
-        <p:spPr>
-          <a:xfrm>
-            <a:off x="2572077" y="685800"/>
-            <a:ext cx="1714500" cy="3429000"/>
-          </a:xfrm>
-          <a:custGeom>
-            <a:rect b="b" l="l" r="r" t="t"/>
-            <a:pathLst>
-              <a:path extrusionOk="0" h="120000" w="120000">
-                <a:moveTo>
-                  <a:pt x="0" y="0"/>
-                </a:moveTo>
-                <a:lnTo>
-                  <a:pt x="120000" y="0"/>
-                </a:lnTo>
-                <a:lnTo>
-                  <a:pt x="120000" y="120000"/>
-                </a:lnTo>
-                <a:lnTo>
-                  <a:pt x="0" y="120000"/>
-                </a:lnTo>
-                <a:close/>
-              </a:path>
-            </a:pathLst>
-          </a:custGeom>
-        </p:spPr>
-      </p:sp>
-      <p:sp>
-        <p:nvSpPr>
-          <p:cNvPr id="173" name="Google Shape;173;g2dab3c4b46b_0_132:notes"/>
-          <p:cNvSpPr txBox="1"/>
-          <p:nvPr>
-            <p:ph idx="1" type="body"/>
-          </p:nvPr>
-        </p:nvSpPr>
-        <p:spPr>
-          <a:xfrm>
-            <a:off x="685800" y="4343400"/>
-            <a:ext cx="5486400" cy="4114800"/>
-          </a:xfrm>
-          <a:prstGeom prst="rect">
-            <a:avLst/>
-          </a:prstGeom>
-        </p:spPr>
-        <p:txBody>
-          <a:bodyPr anchorCtr="0" anchor="t" bIns="91425" lIns="91425" spcFirstLastPara="1" rIns="91425" wrap="square" tIns="91425">
-            <a:noAutofit/>
-          </a:bodyPr>
-          <a:lstStyle/>
-          <a:p>
-            <a:pPr indent="0" lvl="0" marL="0" rtl="0" algn="l">
-              <a:spcBef>
-                <a:spcPts val="0"/>
-              </a:spcBef>
-              <a:spcAft>
-                <a:spcPts val="0"/>
-              </a:spcAft>
-              <a:buNone/>
-            </a:pPr>
-            <a:r>
-              <a:t/>
-            </a:r>
-            <a:endParaRPr/>
-          </a:p>
-        </p:txBody>
-      </p:sp>
-    </p:spTree>
-  </p:cSld>
-  <p:clrMapOvr>
-    <a:masterClrMapping/>
-  </p:clrMapOvr>
-</p:notes>
-</file>
-
-<file path=ppt/notesSlides/notesSlide26.xml><?xml version="1.0" encoding="utf-8"?>
-<p:notes xmlns:a="http://schemas.openxmlformats.org/drawingml/2006/main" xmlns:r="http://schemas.openxmlformats.org/officeDocument/2006/relationships" xmlns:mc="http://schemas.openxmlformats.org/markup-compatibility/2006" xmlns:mv="urn:schemas-microsoft-com:mac:vml" xmlns:p="http://schemas.openxmlformats.org/presentationml/2006/main" xmlns:c="http://schemas.openxmlformats.org/drawingml/2006/chart" xmlns:dgm="http://schemas.openxmlformats.org/drawingml/2006/diagram" xmlns:o="urn:schemas-microsoft-com:office:office" xmlns:v="urn:schemas-microsoft-com:vml" xmlns:pvml="urn:schemas-microsoft-com:office:powerpoint" xmlns:com="http://schemas.openxmlformats.org/drawingml/2006/compatibility" xmlns:p14="http://schemas.microsoft.com/office/powerpoint/2010/main" xmlns:p15="http://schemas.microsoft.com/office/powerpoint/2012/main" xmlns:ahyp="http://schemas.microsoft.com/office/drawing/2018/hyperlinkcolor" showMasterPhAnim="0" showMasterSp="0">
-  <p:cSld>
-    <p:spTree>
-      <p:nvGrpSpPr>
-        <p:cNvPr id="176" name="Shape 176"/>
-        <p:cNvGrpSpPr/>
-        <p:nvPr/>
-      </p:nvGrpSpPr>
-      <p:grpSpPr>
-        <a:xfrm>
-          <a:off x="0" y="0"/>
-          <a:ext cx="0" cy="0"/>
-          <a:chOff x="0" y="0"/>
-          <a:chExt cx="0" cy="0"/>
-        </a:xfrm>
-      </p:grpSpPr>
-      <p:sp>
-        <p:nvSpPr>
-          <p:cNvPr id="177" name="Google Shape;177;g2dab3c4b46b_0_138:notes"/>
-          <p:cNvSpPr/>
-          <p:nvPr>
-            <p:ph idx="2" type="sldImg"/>
-          </p:nvPr>
-        </p:nvSpPr>
-        <p:spPr>
-          <a:xfrm>
-            <a:off x="2572077" y="685800"/>
-            <a:ext cx="1714500" cy="3429000"/>
-          </a:xfrm>
-          <a:custGeom>
-            <a:rect b="b" l="l" r="r" t="t"/>
-            <a:pathLst>
-              <a:path extrusionOk="0" h="120000" w="120000">
-                <a:moveTo>
-                  <a:pt x="0" y="0"/>
-                </a:moveTo>
-                <a:lnTo>
-                  <a:pt x="120000" y="0"/>
-                </a:lnTo>
-                <a:lnTo>
-                  <a:pt x="120000" y="120000"/>
-                </a:lnTo>
-                <a:lnTo>
-                  <a:pt x="0" y="120000"/>
-                </a:lnTo>
-                <a:close/>
-              </a:path>
-            </a:pathLst>
-          </a:custGeom>
-        </p:spPr>
-      </p:sp>
-      <p:sp>
-        <p:nvSpPr>
-          <p:cNvPr id="178" name="Google Shape;178;g2dab3c4b46b_0_138:notes"/>
-          <p:cNvSpPr txBox="1"/>
-          <p:nvPr>
-            <p:ph idx="1" type="body"/>
-          </p:nvPr>
-        </p:nvSpPr>
-        <p:spPr>
-          <a:xfrm>
-            <a:off x="685800" y="4343400"/>
-            <a:ext cx="5486400" cy="4114800"/>
-          </a:xfrm>
-          <a:prstGeom prst="rect">
-            <a:avLst/>
-          </a:prstGeom>
-        </p:spPr>
-        <p:txBody>
-          <a:bodyPr anchorCtr="0" anchor="t" bIns="91425" lIns="91425" spcFirstLastPara="1" rIns="91425" wrap="square" tIns="91425">
-            <a:noAutofit/>
-          </a:bodyPr>
-          <a:lstStyle/>
-          <a:p>
-            <a:pPr indent="0" lvl="0" marL="0" rtl="0" algn="l">
-              <a:spcBef>
-                <a:spcPts val="0"/>
-              </a:spcBef>
-              <a:spcAft>
-                <a:spcPts val="0"/>
-              </a:spcAft>
-              <a:buNone/>
-            </a:pPr>
-            <a:r>
-              <a:t/>
-            </a:r>
-            <a:endParaRPr/>
-          </a:p>
-        </p:txBody>
-      </p:sp>
-    </p:spTree>
-  </p:cSld>
-  <p:clrMapOvr>
-    <a:masterClrMapping/>
-  </p:clrMapOvr>
-</p:notes>
-</file>
-
-<file path=ppt/notesSlides/notesSlide27.xml><?xml version="1.0" encoding="utf-8"?>
-<p:notes xmlns:a="http://schemas.openxmlformats.org/drawingml/2006/main" xmlns:r="http://schemas.openxmlformats.org/officeDocument/2006/relationships" xmlns:mc="http://schemas.openxmlformats.org/markup-compatibility/2006" xmlns:mv="urn:schemas-microsoft-com:mac:vml" xmlns:p="http://schemas.openxmlformats.org/presentationml/2006/main" xmlns:c="http://schemas.openxmlformats.org/drawingml/2006/chart" xmlns:dgm="http://schemas.openxmlformats.org/drawingml/2006/diagram" xmlns:o="urn:schemas-microsoft-com:office:office" xmlns:v="urn:schemas-microsoft-com:vml" xmlns:pvml="urn:schemas-microsoft-com:office:powerpoint" xmlns:com="http://schemas.openxmlformats.org/drawingml/2006/compatibility" xmlns:p14="http://schemas.microsoft.com/office/powerpoint/2010/main" xmlns:p15="http://schemas.microsoft.com/office/powerpoint/2012/main" xmlns:ahyp="http://schemas.microsoft.com/office/drawing/2018/hyperlinkcolor" showMasterPhAnim="0" showMasterSp="0">
-  <p:cSld>
-    <p:spTree>
-      <p:nvGrpSpPr>
-        <p:cNvPr id="181" name="Shape 181"/>
-        <p:cNvGrpSpPr/>
-        <p:nvPr/>
-      </p:nvGrpSpPr>
-      <p:grpSpPr>
-        <a:xfrm>
-          <a:off x="0" y="0"/>
-          <a:ext cx="0" cy="0"/>
-          <a:chOff x="0" y="0"/>
-          <a:chExt cx="0" cy="0"/>
-        </a:xfrm>
-      </p:grpSpPr>
-      <p:sp>
-        <p:nvSpPr>
-          <p:cNvPr id="182" name="Google Shape;182;g2dab3c4b46b_0_144:notes"/>
-          <p:cNvSpPr/>
-          <p:nvPr>
-            <p:ph idx="2" type="sldImg"/>
-          </p:nvPr>
-        </p:nvSpPr>
-        <p:spPr>
-          <a:xfrm>
-            <a:off x="2572077" y="685800"/>
-            <a:ext cx="1714500" cy="3429000"/>
-          </a:xfrm>
-          <a:custGeom>
-            <a:rect b="b" l="l" r="r" t="t"/>
-            <a:pathLst>
-              <a:path extrusionOk="0" h="120000" w="120000">
-                <a:moveTo>
-                  <a:pt x="0" y="0"/>
-                </a:moveTo>
-                <a:lnTo>
-                  <a:pt x="120000" y="0"/>
-                </a:lnTo>
-                <a:lnTo>
-                  <a:pt x="120000" y="120000"/>
-                </a:lnTo>
-                <a:lnTo>
-                  <a:pt x="0" y="120000"/>
-                </a:lnTo>
-                <a:close/>
-              </a:path>
-            </a:pathLst>
-          </a:custGeom>
-        </p:spPr>
-      </p:sp>
-      <p:sp>
-        <p:nvSpPr>
-          <p:cNvPr id="183" name="Google Shape;183;g2dab3c4b46b_0_144:notes"/>
-          <p:cNvSpPr txBox="1"/>
-          <p:nvPr>
-            <p:ph idx="1" type="body"/>
-          </p:nvPr>
-        </p:nvSpPr>
-        <p:spPr>
-          <a:xfrm>
-            <a:off x="685800" y="4343400"/>
-            <a:ext cx="5486400" cy="4114800"/>
-          </a:xfrm>
-          <a:prstGeom prst="rect">
-            <a:avLst/>
-          </a:prstGeom>
-        </p:spPr>
-        <p:txBody>
-          <a:bodyPr anchorCtr="0" anchor="t" bIns="91425" lIns="91425" spcFirstLastPara="1" rIns="91425" wrap="square" tIns="91425">
-            <a:noAutofit/>
-          </a:bodyPr>
-          <a:lstStyle/>
-          <a:p>
-            <a:pPr indent="0" lvl="0" marL="0" rtl="0" algn="l">
-              <a:spcBef>
-                <a:spcPts val="0"/>
-              </a:spcBef>
-              <a:spcAft>
-                <a:spcPts val="0"/>
-              </a:spcAft>
-              <a:buNone/>
-            </a:pPr>
-            <a:r>
-              <a:t/>
-            </a:r>
-            <a:endParaRPr/>
-          </a:p>
-        </p:txBody>
-      </p:sp>
-    </p:spTree>
-  </p:cSld>
-  <p:clrMapOvr>
-    <a:masterClrMapping/>
-  </p:clrMapOvr>
-</p:notes>
-</file>
-
-<file path=ppt/notesSlides/notesSlide28.xml><?xml version="1.0" encoding="utf-8"?>
-<p:notes xmlns:a="http://schemas.openxmlformats.org/drawingml/2006/main" xmlns:r="http://schemas.openxmlformats.org/officeDocument/2006/relationships" xmlns:mc="http://schemas.openxmlformats.org/markup-compatibility/2006" xmlns:mv="urn:schemas-microsoft-com:mac:vml" xmlns:p="http://schemas.openxmlformats.org/presentationml/2006/main" xmlns:c="http://schemas.openxmlformats.org/drawingml/2006/chart" xmlns:dgm="http://schemas.openxmlformats.org/drawingml/2006/diagram" xmlns:o="urn:schemas-microsoft-com:office:office" xmlns:v="urn:schemas-microsoft-com:vml" xmlns:pvml="urn:schemas-microsoft-com:office:powerpoint" xmlns:com="http://schemas.openxmlformats.org/drawingml/2006/compatibility" xmlns:p14="http://schemas.microsoft.com/office/powerpoint/2010/main" xmlns:p15="http://schemas.microsoft.com/office/powerpoint/2012/main" xmlns:ahyp="http://schemas.microsoft.com/office/drawing/2018/hyperlinkcolor" showMasterPhAnim="0" showMasterSp="0">
-  <p:cSld>
-    <p:spTree>
-      <p:nvGrpSpPr>
-        <p:cNvPr id="186" name="Shape 186"/>
-        <p:cNvGrpSpPr/>
-        <p:nvPr/>
-      </p:nvGrpSpPr>
-      <p:grpSpPr>
-        <a:xfrm>
-          <a:off x="0" y="0"/>
-          <a:ext cx="0" cy="0"/>
-          <a:chOff x="0" y="0"/>
-          <a:chExt cx="0" cy="0"/>
-        </a:xfrm>
-      </p:grpSpPr>
-      <p:sp>
-        <p:nvSpPr>
-          <p:cNvPr id="187" name="Google Shape;187;g2dab3c4b46b_0_150:notes"/>
-          <p:cNvSpPr/>
-          <p:nvPr>
-            <p:ph idx="2" type="sldImg"/>
-          </p:nvPr>
-        </p:nvSpPr>
-        <p:spPr>
-          <a:xfrm>
-            <a:off x="2572077" y="685800"/>
-            <a:ext cx="1714500" cy="3429000"/>
-          </a:xfrm>
-          <a:custGeom>
-            <a:rect b="b" l="l" r="r" t="t"/>
-            <a:pathLst>
-              <a:path extrusionOk="0" h="120000" w="120000">
-                <a:moveTo>
-                  <a:pt x="0" y="0"/>
-                </a:moveTo>
-                <a:lnTo>
-                  <a:pt x="120000" y="0"/>
-                </a:lnTo>
-                <a:lnTo>
-                  <a:pt x="120000" y="120000"/>
-                </a:lnTo>
-                <a:lnTo>
-                  <a:pt x="0" y="120000"/>
-                </a:lnTo>
-                <a:close/>
-              </a:path>
-            </a:pathLst>
-          </a:custGeom>
-        </p:spPr>
-      </p:sp>
-      <p:sp>
-        <p:nvSpPr>
-          <p:cNvPr id="188" name="Google Shape;188;g2dab3c4b46b_0_150:notes"/>
-          <p:cNvSpPr txBox="1"/>
-          <p:nvPr>
-            <p:ph idx="1" type="body"/>
-          </p:nvPr>
-        </p:nvSpPr>
-        <p:spPr>
-          <a:xfrm>
-            <a:off x="685800" y="4343400"/>
-            <a:ext cx="5486400" cy="4114800"/>
-          </a:xfrm>
-          <a:prstGeom prst="rect">
-            <a:avLst/>
-          </a:prstGeom>
-        </p:spPr>
-        <p:txBody>
-          <a:bodyPr anchorCtr="0" anchor="t" bIns="91425" lIns="91425" spcFirstLastPara="1" rIns="91425" wrap="square" tIns="91425">
-            <a:noAutofit/>
-          </a:bodyPr>
-          <a:lstStyle/>
-          <a:p>
-            <a:pPr indent="0" lvl="0" marL="0" rtl="0" algn="l">
-              <a:spcBef>
-                <a:spcPts val="0"/>
-              </a:spcBef>
-              <a:spcAft>
-                <a:spcPts val="0"/>
-              </a:spcAft>
-              <a:buNone/>
-            </a:pPr>
-            <a:r>
-              <a:t/>
-            </a:r>
-            <a:endParaRPr/>
-          </a:p>
-        </p:txBody>
-      </p:sp>
-    </p:spTree>
-  </p:cSld>
-  <p:clrMapOvr>
-    <a:masterClrMapping/>
-  </p:clrMapOvr>
-</p:notes>
-</file>
-
-<file path=ppt/notesSlides/notesSlide29.xml><?xml version="1.0" encoding="utf-8"?>
-<p:notes xmlns:a="http://schemas.openxmlformats.org/drawingml/2006/main" xmlns:r="http://schemas.openxmlformats.org/officeDocument/2006/relationships" xmlns:mc="http://schemas.openxmlformats.org/markup-compatibility/2006" xmlns:mv="urn:schemas-microsoft-com:mac:vml" xmlns:p="http://schemas.openxmlformats.org/presentationml/2006/main" xmlns:c="http://schemas.openxmlformats.org/drawingml/2006/chart" xmlns:dgm="http://schemas.openxmlformats.org/drawingml/2006/diagram" xmlns:o="urn:schemas-microsoft-com:office:office" xmlns:v="urn:schemas-microsoft-com:vml" xmlns:pvml="urn:schemas-microsoft-com:office:powerpoint" xmlns:com="http://schemas.openxmlformats.org/drawingml/2006/compatibility" xmlns:p14="http://schemas.microsoft.com/office/powerpoint/2010/main" xmlns:p15="http://schemas.microsoft.com/office/powerpoint/2012/main" xmlns:ahyp="http://schemas.microsoft.com/office/drawing/2018/hyperlinkcolor" showMasterPhAnim="0" showMasterSp="0">
-  <p:cSld>
-    <p:spTree>
-      <p:nvGrpSpPr>
-        <p:cNvPr id="191" name="Shape 191"/>
-        <p:cNvGrpSpPr/>
-        <p:nvPr/>
-      </p:nvGrpSpPr>
-      <p:grpSpPr>
-        <a:xfrm>
-          <a:off x="0" y="0"/>
-          <a:ext cx="0" cy="0"/>
-          <a:chOff x="0" y="0"/>
-          <a:chExt cx="0" cy="0"/>
-        </a:xfrm>
-      </p:grpSpPr>
-      <p:sp>
-        <p:nvSpPr>
-          <p:cNvPr id="192" name="Google Shape;192;g2dab3c4b46b_0_156:notes"/>
-          <p:cNvSpPr/>
-          <p:nvPr>
-            <p:ph idx="2" type="sldImg"/>
-          </p:nvPr>
-        </p:nvSpPr>
-        <p:spPr>
-          <a:xfrm>
-            <a:off x="2572077" y="685800"/>
-            <a:ext cx="1714500" cy="3429000"/>
-          </a:xfrm>
-          <a:custGeom>
-            <a:rect b="b" l="l" r="r" t="t"/>
-            <a:pathLst>
-              <a:path extrusionOk="0" h="120000" w="120000">
-                <a:moveTo>
-                  <a:pt x="0" y="0"/>
-                </a:moveTo>
-                <a:lnTo>
-                  <a:pt x="120000" y="0"/>
-                </a:lnTo>
-                <a:lnTo>
-                  <a:pt x="120000" y="120000"/>
-                </a:lnTo>
-                <a:lnTo>
-                  <a:pt x="0" y="120000"/>
-                </a:lnTo>
-                <a:close/>
-              </a:path>
-            </a:pathLst>
-          </a:custGeom>
-        </p:spPr>
-      </p:sp>
-      <p:sp>
-        <p:nvSpPr>
-          <p:cNvPr id="193" name="Google Shape;193;g2dab3c4b46b_0_156:notes"/>
+          <p:cNvPr id="158" name="Google Shape;158;g2dac446f476_0_23:notes"/>
           <p:cNvSpPr txBox="1"/>
           <p:nvPr>
             <p:ph idx="1" type="body"/>
@@ -2916,7 +2111,7 @@
       </p:grpSpPr>
       <p:sp>
         <p:nvSpPr>
-          <p:cNvPr id="62" name="Google Shape;62;g2dab3c4b46b_0_3:notes"/>
+          <p:cNvPr id="62" name="Google Shape;62;g2dac446f476_0_0:notes"/>
           <p:cNvSpPr/>
           <p:nvPr>
             <p:ph idx="2" type="sldImg"/>
@@ -2951,502 +2146,7 @@
       </p:sp>
       <p:sp>
         <p:nvSpPr>
-          <p:cNvPr id="63" name="Google Shape;63;g2dab3c4b46b_0_3:notes"/>
-          <p:cNvSpPr txBox="1"/>
-          <p:nvPr>
-            <p:ph idx="1" type="body"/>
-          </p:nvPr>
-        </p:nvSpPr>
-        <p:spPr>
-          <a:xfrm>
-            <a:off x="685800" y="4343400"/>
-            <a:ext cx="5486400" cy="4114800"/>
-          </a:xfrm>
-          <a:prstGeom prst="rect">
-            <a:avLst/>
-          </a:prstGeom>
-        </p:spPr>
-        <p:txBody>
-          <a:bodyPr anchorCtr="0" anchor="t" bIns="91425" lIns="91425" spcFirstLastPara="1" rIns="91425" wrap="square" tIns="91425">
-            <a:noAutofit/>
-          </a:bodyPr>
-          <a:lstStyle/>
-          <a:p>
-            <a:pPr indent="0" lvl="0" marL="0" rtl="0" algn="l">
-              <a:spcBef>
-                <a:spcPts val="0"/>
-              </a:spcBef>
-              <a:spcAft>
-                <a:spcPts val="0"/>
-              </a:spcAft>
-              <a:buNone/>
-            </a:pPr>
-            <a:r>
-              <a:t/>
-            </a:r>
-            <a:endParaRPr/>
-          </a:p>
-        </p:txBody>
-      </p:sp>
-    </p:spTree>
-  </p:cSld>
-  <p:clrMapOvr>
-    <a:masterClrMapping/>
-  </p:clrMapOvr>
-</p:notes>
-</file>
-
-<file path=ppt/notesSlides/notesSlide30.xml><?xml version="1.0" encoding="utf-8"?>
-<p:notes xmlns:a="http://schemas.openxmlformats.org/drawingml/2006/main" xmlns:r="http://schemas.openxmlformats.org/officeDocument/2006/relationships" xmlns:mc="http://schemas.openxmlformats.org/markup-compatibility/2006" xmlns:mv="urn:schemas-microsoft-com:mac:vml" xmlns:p="http://schemas.openxmlformats.org/presentationml/2006/main" xmlns:c="http://schemas.openxmlformats.org/drawingml/2006/chart" xmlns:dgm="http://schemas.openxmlformats.org/drawingml/2006/diagram" xmlns:o="urn:schemas-microsoft-com:office:office" xmlns:v="urn:schemas-microsoft-com:vml" xmlns:pvml="urn:schemas-microsoft-com:office:powerpoint" xmlns:com="http://schemas.openxmlformats.org/drawingml/2006/compatibility" xmlns:p14="http://schemas.microsoft.com/office/powerpoint/2010/main" xmlns:p15="http://schemas.microsoft.com/office/powerpoint/2012/main" xmlns:ahyp="http://schemas.microsoft.com/office/drawing/2018/hyperlinkcolor" showMasterPhAnim="0" showMasterSp="0">
-  <p:cSld>
-    <p:spTree>
-      <p:nvGrpSpPr>
-        <p:cNvPr id="197" name="Shape 197"/>
-        <p:cNvGrpSpPr/>
-        <p:nvPr/>
-      </p:nvGrpSpPr>
-      <p:grpSpPr>
-        <a:xfrm>
-          <a:off x="0" y="0"/>
-          <a:ext cx="0" cy="0"/>
-          <a:chOff x="0" y="0"/>
-          <a:chExt cx="0" cy="0"/>
-        </a:xfrm>
-      </p:grpSpPr>
-      <p:sp>
-        <p:nvSpPr>
-          <p:cNvPr id="198" name="Google Shape;198;g2dab3c4b46b_0_161:notes"/>
-          <p:cNvSpPr/>
-          <p:nvPr>
-            <p:ph idx="2" type="sldImg"/>
-          </p:nvPr>
-        </p:nvSpPr>
-        <p:spPr>
-          <a:xfrm>
-            <a:off x="2572077" y="685800"/>
-            <a:ext cx="1714500" cy="3429000"/>
-          </a:xfrm>
-          <a:custGeom>
-            <a:rect b="b" l="l" r="r" t="t"/>
-            <a:pathLst>
-              <a:path extrusionOk="0" h="120000" w="120000">
-                <a:moveTo>
-                  <a:pt x="0" y="0"/>
-                </a:moveTo>
-                <a:lnTo>
-                  <a:pt x="120000" y="0"/>
-                </a:lnTo>
-                <a:lnTo>
-                  <a:pt x="120000" y="120000"/>
-                </a:lnTo>
-                <a:lnTo>
-                  <a:pt x="0" y="120000"/>
-                </a:lnTo>
-                <a:close/>
-              </a:path>
-            </a:pathLst>
-          </a:custGeom>
-        </p:spPr>
-      </p:sp>
-      <p:sp>
-        <p:nvSpPr>
-          <p:cNvPr id="199" name="Google Shape;199;g2dab3c4b46b_0_161:notes"/>
-          <p:cNvSpPr txBox="1"/>
-          <p:nvPr>
-            <p:ph idx="1" type="body"/>
-          </p:nvPr>
-        </p:nvSpPr>
-        <p:spPr>
-          <a:xfrm>
-            <a:off x="685800" y="4343400"/>
-            <a:ext cx="5486400" cy="4114800"/>
-          </a:xfrm>
-          <a:prstGeom prst="rect">
-            <a:avLst/>
-          </a:prstGeom>
-        </p:spPr>
-        <p:txBody>
-          <a:bodyPr anchorCtr="0" anchor="t" bIns="91425" lIns="91425" spcFirstLastPara="1" rIns="91425" wrap="square" tIns="91425">
-            <a:noAutofit/>
-          </a:bodyPr>
-          <a:lstStyle/>
-          <a:p>
-            <a:pPr indent="0" lvl="0" marL="0" rtl="0" algn="l">
-              <a:spcBef>
-                <a:spcPts val="0"/>
-              </a:spcBef>
-              <a:spcAft>
-                <a:spcPts val="0"/>
-              </a:spcAft>
-              <a:buNone/>
-            </a:pPr>
-            <a:r>
-              <a:t/>
-            </a:r>
-            <a:endParaRPr/>
-          </a:p>
-        </p:txBody>
-      </p:sp>
-    </p:spTree>
-  </p:cSld>
-  <p:clrMapOvr>
-    <a:masterClrMapping/>
-  </p:clrMapOvr>
-</p:notes>
-</file>
-
-<file path=ppt/notesSlides/notesSlide31.xml><?xml version="1.0" encoding="utf-8"?>
-<p:notes xmlns:a="http://schemas.openxmlformats.org/drawingml/2006/main" xmlns:r="http://schemas.openxmlformats.org/officeDocument/2006/relationships" xmlns:mc="http://schemas.openxmlformats.org/markup-compatibility/2006" xmlns:mv="urn:schemas-microsoft-com:mac:vml" xmlns:p="http://schemas.openxmlformats.org/presentationml/2006/main" xmlns:c="http://schemas.openxmlformats.org/drawingml/2006/chart" xmlns:dgm="http://schemas.openxmlformats.org/drawingml/2006/diagram" xmlns:o="urn:schemas-microsoft-com:office:office" xmlns:v="urn:schemas-microsoft-com:vml" xmlns:pvml="urn:schemas-microsoft-com:office:powerpoint" xmlns:com="http://schemas.openxmlformats.org/drawingml/2006/compatibility" xmlns:p14="http://schemas.microsoft.com/office/powerpoint/2010/main" xmlns:p15="http://schemas.microsoft.com/office/powerpoint/2012/main" xmlns:ahyp="http://schemas.microsoft.com/office/drawing/2018/hyperlinkcolor" showMasterPhAnim="0" showMasterSp="0">
-  <p:cSld>
-    <p:spTree>
-      <p:nvGrpSpPr>
-        <p:cNvPr id="202" name="Shape 202"/>
-        <p:cNvGrpSpPr/>
-        <p:nvPr/>
-      </p:nvGrpSpPr>
-      <p:grpSpPr>
-        <a:xfrm>
-          <a:off x="0" y="0"/>
-          <a:ext cx="0" cy="0"/>
-          <a:chOff x="0" y="0"/>
-          <a:chExt cx="0" cy="0"/>
-        </a:xfrm>
-      </p:grpSpPr>
-      <p:sp>
-        <p:nvSpPr>
-          <p:cNvPr id="203" name="Google Shape;203;g2dab3c4b46b_0_167:notes"/>
-          <p:cNvSpPr/>
-          <p:nvPr>
-            <p:ph idx="2" type="sldImg"/>
-          </p:nvPr>
-        </p:nvSpPr>
-        <p:spPr>
-          <a:xfrm>
-            <a:off x="2572077" y="685800"/>
-            <a:ext cx="1714500" cy="3429000"/>
-          </a:xfrm>
-          <a:custGeom>
-            <a:rect b="b" l="l" r="r" t="t"/>
-            <a:pathLst>
-              <a:path extrusionOk="0" h="120000" w="120000">
-                <a:moveTo>
-                  <a:pt x="0" y="0"/>
-                </a:moveTo>
-                <a:lnTo>
-                  <a:pt x="120000" y="0"/>
-                </a:lnTo>
-                <a:lnTo>
-                  <a:pt x="120000" y="120000"/>
-                </a:lnTo>
-                <a:lnTo>
-                  <a:pt x="0" y="120000"/>
-                </a:lnTo>
-                <a:close/>
-              </a:path>
-            </a:pathLst>
-          </a:custGeom>
-        </p:spPr>
-      </p:sp>
-      <p:sp>
-        <p:nvSpPr>
-          <p:cNvPr id="204" name="Google Shape;204;g2dab3c4b46b_0_167:notes"/>
-          <p:cNvSpPr txBox="1"/>
-          <p:nvPr>
-            <p:ph idx="1" type="body"/>
-          </p:nvPr>
-        </p:nvSpPr>
-        <p:spPr>
-          <a:xfrm>
-            <a:off x="685800" y="4343400"/>
-            <a:ext cx="5486400" cy="4114800"/>
-          </a:xfrm>
-          <a:prstGeom prst="rect">
-            <a:avLst/>
-          </a:prstGeom>
-        </p:spPr>
-        <p:txBody>
-          <a:bodyPr anchorCtr="0" anchor="t" bIns="91425" lIns="91425" spcFirstLastPara="1" rIns="91425" wrap="square" tIns="91425">
-            <a:noAutofit/>
-          </a:bodyPr>
-          <a:lstStyle/>
-          <a:p>
-            <a:pPr indent="0" lvl="0" marL="0" rtl="0" algn="l">
-              <a:spcBef>
-                <a:spcPts val="0"/>
-              </a:spcBef>
-              <a:spcAft>
-                <a:spcPts val="0"/>
-              </a:spcAft>
-              <a:buNone/>
-            </a:pPr>
-            <a:r>
-              <a:t/>
-            </a:r>
-            <a:endParaRPr/>
-          </a:p>
-        </p:txBody>
-      </p:sp>
-    </p:spTree>
-  </p:cSld>
-  <p:clrMapOvr>
-    <a:masterClrMapping/>
-  </p:clrMapOvr>
-</p:notes>
-</file>
-
-<file path=ppt/notesSlides/notesSlide32.xml><?xml version="1.0" encoding="utf-8"?>
-<p:notes xmlns:a="http://schemas.openxmlformats.org/drawingml/2006/main" xmlns:r="http://schemas.openxmlformats.org/officeDocument/2006/relationships" xmlns:mc="http://schemas.openxmlformats.org/markup-compatibility/2006" xmlns:mv="urn:schemas-microsoft-com:mac:vml" xmlns:p="http://schemas.openxmlformats.org/presentationml/2006/main" xmlns:c="http://schemas.openxmlformats.org/drawingml/2006/chart" xmlns:dgm="http://schemas.openxmlformats.org/drawingml/2006/diagram" xmlns:o="urn:schemas-microsoft-com:office:office" xmlns:v="urn:schemas-microsoft-com:vml" xmlns:pvml="urn:schemas-microsoft-com:office:powerpoint" xmlns:com="http://schemas.openxmlformats.org/drawingml/2006/compatibility" xmlns:p14="http://schemas.microsoft.com/office/powerpoint/2010/main" xmlns:p15="http://schemas.microsoft.com/office/powerpoint/2012/main" xmlns:ahyp="http://schemas.microsoft.com/office/drawing/2018/hyperlinkcolor" showMasterPhAnim="0" showMasterSp="0">
-  <p:cSld>
-    <p:spTree>
-      <p:nvGrpSpPr>
-        <p:cNvPr id="209" name="Shape 209"/>
-        <p:cNvGrpSpPr/>
-        <p:nvPr/>
-      </p:nvGrpSpPr>
-      <p:grpSpPr>
-        <a:xfrm>
-          <a:off x="0" y="0"/>
-          <a:ext cx="0" cy="0"/>
-          <a:chOff x="0" y="0"/>
-          <a:chExt cx="0" cy="0"/>
-        </a:xfrm>
-      </p:grpSpPr>
-      <p:sp>
-        <p:nvSpPr>
-          <p:cNvPr id="210" name="Google Shape;210;g2dab3c4b46b_0_173:notes"/>
-          <p:cNvSpPr/>
-          <p:nvPr>
-            <p:ph idx="2" type="sldImg"/>
-          </p:nvPr>
-        </p:nvSpPr>
-        <p:spPr>
-          <a:xfrm>
-            <a:off x="2572077" y="685800"/>
-            <a:ext cx="1714500" cy="3429000"/>
-          </a:xfrm>
-          <a:custGeom>
-            <a:rect b="b" l="l" r="r" t="t"/>
-            <a:pathLst>
-              <a:path extrusionOk="0" h="120000" w="120000">
-                <a:moveTo>
-                  <a:pt x="0" y="0"/>
-                </a:moveTo>
-                <a:lnTo>
-                  <a:pt x="120000" y="0"/>
-                </a:lnTo>
-                <a:lnTo>
-                  <a:pt x="120000" y="120000"/>
-                </a:lnTo>
-                <a:lnTo>
-                  <a:pt x="0" y="120000"/>
-                </a:lnTo>
-                <a:close/>
-              </a:path>
-            </a:pathLst>
-          </a:custGeom>
-        </p:spPr>
-      </p:sp>
-      <p:sp>
-        <p:nvSpPr>
-          <p:cNvPr id="211" name="Google Shape;211;g2dab3c4b46b_0_173:notes"/>
-          <p:cNvSpPr txBox="1"/>
-          <p:nvPr>
-            <p:ph idx="1" type="body"/>
-          </p:nvPr>
-        </p:nvSpPr>
-        <p:spPr>
-          <a:xfrm>
-            <a:off x="685800" y="4343400"/>
-            <a:ext cx="5486400" cy="4114800"/>
-          </a:xfrm>
-          <a:prstGeom prst="rect">
-            <a:avLst/>
-          </a:prstGeom>
-        </p:spPr>
-        <p:txBody>
-          <a:bodyPr anchorCtr="0" anchor="t" bIns="91425" lIns="91425" spcFirstLastPara="1" rIns="91425" wrap="square" tIns="91425">
-            <a:noAutofit/>
-          </a:bodyPr>
-          <a:lstStyle/>
-          <a:p>
-            <a:pPr indent="0" lvl="0" marL="0" rtl="0" algn="l">
-              <a:spcBef>
-                <a:spcPts val="0"/>
-              </a:spcBef>
-              <a:spcAft>
-                <a:spcPts val="0"/>
-              </a:spcAft>
-              <a:buNone/>
-            </a:pPr>
-            <a:r>
-              <a:t/>
-            </a:r>
-            <a:endParaRPr/>
-          </a:p>
-        </p:txBody>
-      </p:sp>
-    </p:spTree>
-  </p:cSld>
-  <p:clrMapOvr>
-    <a:masterClrMapping/>
-  </p:clrMapOvr>
-</p:notes>
-</file>
-
-<file path=ppt/notesSlides/notesSlide33.xml><?xml version="1.0" encoding="utf-8"?>
-<p:notes xmlns:a="http://schemas.openxmlformats.org/drawingml/2006/main" xmlns:r="http://schemas.openxmlformats.org/officeDocument/2006/relationships" xmlns:mc="http://schemas.openxmlformats.org/markup-compatibility/2006" xmlns:mv="urn:schemas-microsoft-com:mac:vml" xmlns:p="http://schemas.openxmlformats.org/presentationml/2006/main" xmlns:c="http://schemas.openxmlformats.org/drawingml/2006/chart" xmlns:dgm="http://schemas.openxmlformats.org/drawingml/2006/diagram" xmlns:o="urn:schemas-microsoft-com:office:office" xmlns:v="urn:schemas-microsoft-com:vml" xmlns:pvml="urn:schemas-microsoft-com:office:powerpoint" xmlns:com="http://schemas.openxmlformats.org/drawingml/2006/compatibility" xmlns:p14="http://schemas.microsoft.com/office/powerpoint/2010/main" xmlns:p15="http://schemas.microsoft.com/office/powerpoint/2012/main" xmlns:ahyp="http://schemas.microsoft.com/office/drawing/2018/hyperlinkcolor" showMasterPhAnim="0" showMasterSp="0">
-  <p:cSld>
-    <p:spTree>
-      <p:nvGrpSpPr>
-        <p:cNvPr id="214" name="Shape 214"/>
-        <p:cNvGrpSpPr/>
-        <p:nvPr/>
-      </p:nvGrpSpPr>
-      <p:grpSpPr>
-        <a:xfrm>
-          <a:off x="0" y="0"/>
-          <a:ext cx="0" cy="0"/>
-          <a:chOff x="0" y="0"/>
-          <a:chExt cx="0" cy="0"/>
-        </a:xfrm>
-      </p:grpSpPr>
-      <p:sp>
-        <p:nvSpPr>
-          <p:cNvPr id="215" name="Google Shape;215;g2dab3c4b46b_0_185:notes"/>
-          <p:cNvSpPr/>
-          <p:nvPr>
-            <p:ph idx="2" type="sldImg"/>
-          </p:nvPr>
-        </p:nvSpPr>
-        <p:spPr>
-          <a:xfrm>
-            <a:off x="2572077" y="685800"/>
-            <a:ext cx="1714500" cy="3429000"/>
-          </a:xfrm>
-          <a:custGeom>
-            <a:rect b="b" l="l" r="r" t="t"/>
-            <a:pathLst>
-              <a:path extrusionOk="0" h="120000" w="120000">
-                <a:moveTo>
-                  <a:pt x="0" y="0"/>
-                </a:moveTo>
-                <a:lnTo>
-                  <a:pt x="120000" y="0"/>
-                </a:lnTo>
-                <a:lnTo>
-                  <a:pt x="120000" y="120000"/>
-                </a:lnTo>
-                <a:lnTo>
-                  <a:pt x="0" y="120000"/>
-                </a:lnTo>
-                <a:close/>
-              </a:path>
-            </a:pathLst>
-          </a:custGeom>
-        </p:spPr>
-      </p:sp>
-      <p:sp>
-        <p:nvSpPr>
-          <p:cNvPr id="216" name="Google Shape;216;g2dab3c4b46b_0_185:notes"/>
-          <p:cNvSpPr txBox="1"/>
-          <p:nvPr>
-            <p:ph idx="1" type="body"/>
-          </p:nvPr>
-        </p:nvSpPr>
-        <p:spPr>
-          <a:xfrm>
-            <a:off x="685800" y="4343400"/>
-            <a:ext cx="5486400" cy="4114800"/>
-          </a:xfrm>
-          <a:prstGeom prst="rect">
-            <a:avLst/>
-          </a:prstGeom>
-        </p:spPr>
-        <p:txBody>
-          <a:bodyPr anchorCtr="0" anchor="t" bIns="91425" lIns="91425" spcFirstLastPara="1" rIns="91425" wrap="square" tIns="91425">
-            <a:noAutofit/>
-          </a:bodyPr>
-          <a:lstStyle/>
-          <a:p>
-            <a:pPr indent="0" lvl="0" marL="0" rtl="0" algn="l">
-              <a:spcBef>
-                <a:spcPts val="0"/>
-              </a:spcBef>
-              <a:spcAft>
-                <a:spcPts val="0"/>
-              </a:spcAft>
-              <a:buNone/>
-            </a:pPr>
-            <a:r>
-              <a:t/>
-            </a:r>
-            <a:endParaRPr/>
-          </a:p>
-        </p:txBody>
-      </p:sp>
-    </p:spTree>
-  </p:cSld>
-  <p:clrMapOvr>
-    <a:masterClrMapping/>
-  </p:clrMapOvr>
-</p:notes>
-</file>
-
-<file path=ppt/notesSlides/notesSlide34.xml><?xml version="1.0" encoding="utf-8"?>
-<p:notes xmlns:a="http://schemas.openxmlformats.org/drawingml/2006/main" xmlns:r="http://schemas.openxmlformats.org/officeDocument/2006/relationships" xmlns:mc="http://schemas.openxmlformats.org/markup-compatibility/2006" xmlns:mv="urn:schemas-microsoft-com:mac:vml" xmlns:p="http://schemas.openxmlformats.org/presentationml/2006/main" xmlns:c="http://schemas.openxmlformats.org/drawingml/2006/chart" xmlns:dgm="http://schemas.openxmlformats.org/drawingml/2006/diagram" xmlns:o="urn:schemas-microsoft-com:office:office" xmlns:v="urn:schemas-microsoft-com:vml" xmlns:pvml="urn:schemas-microsoft-com:office:powerpoint" xmlns:com="http://schemas.openxmlformats.org/drawingml/2006/compatibility" xmlns:p14="http://schemas.microsoft.com/office/powerpoint/2010/main" xmlns:p15="http://schemas.microsoft.com/office/powerpoint/2012/main" xmlns:ahyp="http://schemas.microsoft.com/office/drawing/2018/hyperlinkcolor" showMasterPhAnim="0" showMasterSp="0">
-  <p:cSld>
-    <p:spTree>
-      <p:nvGrpSpPr>
-        <p:cNvPr id="219" name="Shape 219"/>
-        <p:cNvGrpSpPr/>
-        <p:nvPr/>
-      </p:nvGrpSpPr>
-      <p:grpSpPr>
-        <a:xfrm>
-          <a:off x="0" y="0"/>
-          <a:ext cx="0" cy="0"/>
-          <a:chOff x="0" y="0"/>
-          <a:chExt cx="0" cy="0"/>
-        </a:xfrm>
-      </p:grpSpPr>
-      <p:sp>
-        <p:nvSpPr>
-          <p:cNvPr id="220" name="Google Shape;220;g2dab3c4b46b_0_179:notes"/>
-          <p:cNvSpPr/>
-          <p:nvPr>
-            <p:ph idx="2" type="sldImg"/>
-          </p:nvPr>
-        </p:nvSpPr>
-        <p:spPr>
-          <a:xfrm>
-            <a:off x="2572077" y="685800"/>
-            <a:ext cx="1714500" cy="3429000"/>
-          </a:xfrm>
-          <a:custGeom>
-            <a:rect b="b" l="l" r="r" t="t"/>
-            <a:pathLst>
-              <a:path extrusionOk="0" h="120000" w="120000">
-                <a:moveTo>
-                  <a:pt x="0" y="0"/>
-                </a:moveTo>
-                <a:lnTo>
-                  <a:pt x="120000" y="0"/>
-                </a:lnTo>
-                <a:lnTo>
-                  <a:pt x="120000" y="120000"/>
-                </a:lnTo>
-                <a:lnTo>
-                  <a:pt x="0" y="120000"/>
-                </a:lnTo>
-                <a:close/>
-              </a:path>
-            </a:pathLst>
-          </a:custGeom>
-        </p:spPr>
-      </p:sp>
-      <p:sp>
-        <p:nvSpPr>
-          <p:cNvPr id="221" name="Google Shape;221;g2dab3c4b46b_0_179:notes"/>
+          <p:cNvPr id="63" name="Google Shape;63;g2dac446f476_0_0:notes"/>
           <p:cNvSpPr txBox="1"/>
           <p:nvPr>
             <p:ph idx="1" type="body"/>
@@ -3510,7 +2210,7 @@
       </p:grpSpPr>
       <p:sp>
         <p:nvSpPr>
-          <p:cNvPr id="67" name="Google Shape;67;g2dab3c4b46b_0_14:notes"/>
+          <p:cNvPr id="67" name="Google Shape;67;g2dab3c4b46b_0_44:notes"/>
           <p:cNvSpPr/>
           <p:nvPr>
             <p:ph idx="2" type="sldImg"/>
@@ -3545,7 +2245,7 @@
       </p:sp>
       <p:sp>
         <p:nvSpPr>
-          <p:cNvPr id="68" name="Google Shape;68;g2dab3c4b46b_0_14:notes"/>
+          <p:cNvPr id="68" name="Google Shape;68;g2dab3c4b46b_0_44:notes"/>
           <p:cNvSpPr txBox="1"/>
           <p:nvPr>
             <p:ph idx="1" type="body"/>
@@ -3609,7 +2309,7 @@
       </p:grpSpPr>
       <p:sp>
         <p:nvSpPr>
-          <p:cNvPr id="72" name="Google Shape;72;g2dab3c4b46b_0_20:notes"/>
+          <p:cNvPr id="72" name="Google Shape;72;g2dab3c4b46b_0_50:notes"/>
           <p:cNvSpPr/>
           <p:nvPr>
             <p:ph idx="2" type="sldImg"/>
@@ -3644,7 +2344,7 @@
       </p:sp>
       <p:sp>
         <p:nvSpPr>
-          <p:cNvPr id="73" name="Google Shape;73;g2dab3c4b46b_0_20:notes"/>
+          <p:cNvPr id="73" name="Google Shape;73;g2dab3c4b46b_0_50:notes"/>
           <p:cNvSpPr txBox="1"/>
           <p:nvPr>
             <p:ph idx="1" type="body"/>
@@ -3708,7 +2408,7 @@
       </p:grpSpPr>
       <p:sp>
         <p:nvSpPr>
-          <p:cNvPr id="77" name="Google Shape;77;g2dab3c4b46b_0_26:notes"/>
+          <p:cNvPr id="77" name="Google Shape;77;g2dab3c4b46b_0_62:notes"/>
           <p:cNvSpPr/>
           <p:nvPr>
             <p:ph idx="2" type="sldImg"/>
@@ -3743,7 +2443,7 @@
       </p:sp>
       <p:sp>
         <p:nvSpPr>
-          <p:cNvPr id="78" name="Google Shape;78;g2dab3c4b46b_0_26:notes"/>
+          <p:cNvPr id="78" name="Google Shape;78;g2dab3c4b46b_0_62:notes"/>
           <p:cNvSpPr txBox="1"/>
           <p:nvPr>
             <p:ph idx="1" type="body"/>
@@ -3793,7 +2493,7 @@
   <p:cSld>
     <p:spTree>
       <p:nvGrpSpPr>
-        <p:cNvPr id="81" name="Shape 81"/>
+        <p:cNvPr id="82" name="Shape 82"/>
         <p:cNvGrpSpPr/>
         <p:nvPr/>
       </p:nvGrpSpPr>
@@ -3807,7 +2507,7 @@
       </p:grpSpPr>
       <p:sp>
         <p:nvSpPr>
-          <p:cNvPr id="82" name="Google Shape;82;g2dab3c4b46b_0_32:notes"/>
+          <p:cNvPr id="83" name="Google Shape;83;g2dab3c4b46b_0_67:notes"/>
           <p:cNvSpPr/>
           <p:nvPr>
             <p:ph idx="2" type="sldImg"/>
@@ -3842,7 +2542,7 @@
       </p:sp>
       <p:sp>
         <p:nvSpPr>
-          <p:cNvPr id="83" name="Google Shape;83;g2dab3c4b46b_0_32:notes"/>
+          <p:cNvPr id="84" name="Google Shape;84;g2dab3c4b46b_0_67:notes"/>
           <p:cNvSpPr txBox="1"/>
           <p:nvPr>
             <p:ph idx="1" type="body"/>
@@ -3892,7 +2592,7 @@
   <p:cSld>
     <p:spTree>
       <p:nvGrpSpPr>
-        <p:cNvPr id="86" name="Shape 86"/>
+        <p:cNvPr id="87" name="Shape 87"/>
         <p:cNvGrpSpPr/>
         <p:nvPr/>
       </p:nvGrpSpPr>
@@ -3906,7 +2606,7 @@
       </p:grpSpPr>
       <p:sp>
         <p:nvSpPr>
-          <p:cNvPr id="87" name="Google Shape;87;g2dab3c4b46b_0_44:notes"/>
+          <p:cNvPr id="88" name="Google Shape;88;g2dab3c4b46b_0_73:notes"/>
           <p:cNvSpPr/>
           <p:nvPr>
             <p:ph idx="2" type="sldImg"/>
@@ -3941,7 +2641,7 @@
       </p:sp>
       <p:sp>
         <p:nvSpPr>
-          <p:cNvPr id="88" name="Google Shape;88;g2dab3c4b46b_0_44:notes"/>
+          <p:cNvPr id="89" name="Google Shape;89;g2dab3c4b46b_0_73:notes"/>
           <p:cNvSpPr txBox="1"/>
           <p:nvPr>
             <p:ph idx="1" type="body"/>
@@ -3991,7 +2691,7 @@
   <p:cSld>
     <p:spTree>
       <p:nvGrpSpPr>
-        <p:cNvPr id="91" name="Shape 91"/>
+        <p:cNvPr id="92" name="Shape 92"/>
         <p:cNvGrpSpPr/>
         <p:nvPr/>
       </p:nvGrpSpPr>
@@ -4005,7 +2705,7 @@
       </p:grpSpPr>
       <p:sp>
         <p:nvSpPr>
-          <p:cNvPr id="92" name="Google Shape;92;g2dab3c4b46b_0_50:notes"/>
+          <p:cNvPr id="93" name="Google Shape;93;g2dab3c4b46b_0_79:notes"/>
           <p:cNvSpPr/>
           <p:nvPr>
             <p:ph idx="2" type="sldImg"/>
@@ -4040,7 +2740,7 @@
       </p:sp>
       <p:sp>
         <p:nvSpPr>
-          <p:cNvPr id="93" name="Google Shape;93;g2dab3c4b46b_0_50:notes"/>
+          <p:cNvPr id="94" name="Google Shape;94;g2dab3c4b46b_0_79:notes"/>
           <p:cNvSpPr txBox="1"/>
           <p:nvPr>
             <p:ph idx="1" type="body"/>
@@ -8885,7 +7585,7 @@
         <p:spPr>
           <a:xfrm>
             <a:off x="122625" y="2544051"/>
-            <a:ext cx="2498100" cy="2833800"/>
+            <a:ext cx="2498100" cy="734100"/>
           </a:xfrm>
           <a:prstGeom prst="rect">
             <a:avLst/>
@@ -8911,7 +7611,7 @@
               <a:buNone/>
             </a:pPr>
             <a:r>
-              <a:rPr b="1" lang="en" sz="1200">
+              <a:rPr b="1" lang="en" sz="1600">
                 <a:solidFill>
                   <a:schemeClr val="dk1"/>
                 </a:solidFill>
@@ -8919,508 +7619,14 @@
               <a:t>Persona: </a:t>
             </a:r>
             <a:r>
-              <a:rPr lang="en" sz="1200">
+              <a:rPr lang="en" sz="1600">
                 <a:solidFill>
                   <a:schemeClr val="dk1"/>
                 </a:solidFill>
               </a:rPr>
-              <a:t>Alex Singh who has a</a:t>
+              <a:t>Alex Singh </a:t>
             </a:r>
-            <a:endParaRPr sz="1200">
-              <a:solidFill>
-                <a:schemeClr val="dk1"/>
-              </a:solidFill>
-            </a:endParaRPr>
-          </a:p>
-          <a:p>
-            <a:pPr indent="0" lvl="0" marL="0" rtl="0" algn="l">
-              <a:lnSpc>
-                <a:spcPct val="80000"/>
-              </a:lnSpc>
-              <a:spcBef>
-                <a:spcPts val="0"/>
-              </a:spcBef>
-              <a:spcAft>
-                <a:spcPts val="0"/>
-              </a:spcAft>
-              <a:buClr>
-                <a:schemeClr val="dk1"/>
-              </a:buClr>
-              <a:buSzPts val="275"/>
-              <a:buFont typeface="Arial"/>
-              <a:buNone/>
-            </a:pPr>
-            <a:r>
-              <a:rPr lang="en" sz="1200">
-                <a:solidFill>
-                  <a:schemeClr val="dk1"/>
-                </a:solidFill>
-              </a:rPr>
-              <a:t>very busy schedule</a:t>
-            </a:r>
-            <a:endParaRPr sz="1200">
-              <a:solidFill>
-                <a:schemeClr val="dk1"/>
-              </a:solidFill>
-            </a:endParaRPr>
-          </a:p>
-          <a:p>
-            <a:pPr indent="0" lvl="0" marL="0" rtl="0" algn="l">
-              <a:lnSpc>
-                <a:spcPct val="80000"/>
-              </a:lnSpc>
-              <a:spcBef>
-                <a:spcPts val="0"/>
-              </a:spcBef>
-              <a:spcAft>
-                <a:spcPts val="0"/>
-              </a:spcAft>
-              <a:buClr>
-                <a:schemeClr val="dk1"/>
-              </a:buClr>
-              <a:buSzPts val="275"/>
-              <a:buFont typeface="Arial"/>
-              <a:buNone/>
-            </a:pPr>
-            <a:r>
-              <a:rPr lang="en" sz="1200">
-                <a:solidFill>
-                  <a:schemeClr val="dk1"/>
-                </a:solidFill>
-              </a:rPr>
-              <a:t>and wants to get jobs</a:t>
-            </a:r>
-            <a:endParaRPr sz="1200">
-              <a:solidFill>
-                <a:schemeClr val="dk1"/>
-              </a:solidFill>
-            </a:endParaRPr>
-          </a:p>
-          <a:p>
-            <a:pPr indent="0" lvl="0" marL="0" rtl="0" algn="l">
-              <a:lnSpc>
-                <a:spcPct val="80000"/>
-              </a:lnSpc>
-              <a:spcBef>
-                <a:spcPts val="0"/>
-              </a:spcBef>
-              <a:spcAft>
-                <a:spcPts val="0"/>
-              </a:spcAft>
-              <a:buClr>
-                <a:schemeClr val="dk1"/>
-              </a:buClr>
-              <a:buSzPts val="275"/>
-              <a:buFont typeface="Arial"/>
-              <a:buNone/>
-            </a:pPr>
-            <a:r>
-              <a:rPr lang="en" sz="1200">
-                <a:solidFill>
-                  <a:schemeClr val="dk1"/>
-                </a:solidFill>
-              </a:rPr>
-              <a:t>done fast. They have</a:t>
-            </a:r>
-            <a:endParaRPr sz="1200">
-              <a:solidFill>
-                <a:schemeClr val="dk1"/>
-              </a:solidFill>
-            </a:endParaRPr>
-          </a:p>
-          <a:p>
-            <a:pPr indent="0" lvl="0" marL="0" rtl="0" algn="l">
-              <a:lnSpc>
-                <a:spcPct val="80000"/>
-              </a:lnSpc>
-              <a:spcBef>
-                <a:spcPts val="0"/>
-              </a:spcBef>
-              <a:spcAft>
-                <a:spcPts val="0"/>
-              </a:spcAft>
-              <a:buClr>
-                <a:schemeClr val="dk1"/>
-              </a:buClr>
-              <a:buSzPts val="275"/>
-              <a:buFont typeface="Arial"/>
-              <a:buNone/>
-            </a:pPr>
-            <a:r>
-              <a:rPr lang="en" sz="1200">
-                <a:solidFill>
-                  <a:schemeClr val="dk1"/>
-                </a:solidFill>
-              </a:rPr>
-              <a:t>less time due to their</a:t>
-            </a:r>
-            <a:endParaRPr sz="1200">
-              <a:solidFill>
-                <a:schemeClr val="dk1"/>
-              </a:solidFill>
-            </a:endParaRPr>
-          </a:p>
-          <a:p>
-            <a:pPr indent="0" lvl="0" marL="0" rtl="0" algn="l">
-              <a:lnSpc>
-                <a:spcPct val="80000"/>
-              </a:lnSpc>
-              <a:spcBef>
-                <a:spcPts val="0"/>
-              </a:spcBef>
-              <a:spcAft>
-                <a:spcPts val="0"/>
-              </a:spcAft>
-              <a:buClr>
-                <a:schemeClr val="dk1"/>
-              </a:buClr>
-              <a:buSzPts val="275"/>
-              <a:buFont typeface="Arial"/>
-              <a:buNone/>
-            </a:pPr>
-            <a:r>
-              <a:rPr lang="en" sz="1200">
-                <a:solidFill>
-                  <a:schemeClr val="dk1"/>
-                </a:solidFill>
-              </a:rPr>
-              <a:t>software job, them</a:t>
-            </a:r>
-            <a:endParaRPr sz="1200">
-              <a:solidFill>
-                <a:schemeClr val="dk1"/>
-              </a:solidFill>
-            </a:endParaRPr>
-          </a:p>
-          <a:p>
-            <a:pPr indent="0" lvl="0" marL="0" rtl="0" algn="l">
-              <a:lnSpc>
-                <a:spcPct val="80000"/>
-              </a:lnSpc>
-              <a:spcBef>
-                <a:spcPts val="0"/>
-              </a:spcBef>
-              <a:spcAft>
-                <a:spcPts val="0"/>
-              </a:spcAft>
-              <a:buClr>
-                <a:schemeClr val="dk1"/>
-              </a:buClr>
-              <a:buSzPts val="275"/>
-              <a:buFont typeface="Arial"/>
-              <a:buNone/>
-            </a:pPr>
-            <a:r>
-              <a:rPr lang="en" sz="1200">
-                <a:solidFill>
-                  <a:schemeClr val="dk1"/>
-                </a:solidFill>
-              </a:rPr>
-              <a:t>attending many</a:t>
-            </a:r>
-            <a:endParaRPr sz="1200">
-              <a:solidFill>
-                <a:schemeClr val="dk1"/>
-              </a:solidFill>
-            </a:endParaRPr>
-          </a:p>
-          <a:p>
-            <a:pPr indent="0" lvl="0" marL="0" rtl="0" algn="l">
-              <a:lnSpc>
-                <a:spcPct val="80000"/>
-              </a:lnSpc>
-              <a:spcBef>
-                <a:spcPts val="0"/>
-              </a:spcBef>
-              <a:spcAft>
-                <a:spcPts val="0"/>
-              </a:spcAft>
-              <a:buClr>
-                <a:schemeClr val="dk1"/>
-              </a:buClr>
-              <a:buSzPts val="275"/>
-              <a:buFont typeface="Arial"/>
-              <a:buNone/>
-            </a:pPr>
-            <a:r>
-              <a:rPr lang="en" sz="1200">
-                <a:solidFill>
-                  <a:schemeClr val="dk1"/>
-                </a:solidFill>
-              </a:rPr>
-              <a:t>technology events</a:t>
-            </a:r>
-            <a:endParaRPr sz="1200">
-              <a:solidFill>
-                <a:schemeClr val="dk1"/>
-              </a:solidFill>
-            </a:endParaRPr>
-          </a:p>
-          <a:p>
-            <a:pPr indent="0" lvl="0" marL="0" rtl="0" algn="l">
-              <a:lnSpc>
-                <a:spcPct val="80000"/>
-              </a:lnSpc>
-              <a:spcBef>
-                <a:spcPts val="0"/>
-              </a:spcBef>
-              <a:spcAft>
-                <a:spcPts val="0"/>
-              </a:spcAft>
-              <a:buClr>
-                <a:schemeClr val="dk1"/>
-              </a:buClr>
-              <a:buSzPts val="275"/>
-              <a:buFont typeface="Arial"/>
-              <a:buNone/>
-            </a:pPr>
-            <a:r>
-              <a:rPr lang="en" sz="1200">
-                <a:solidFill>
-                  <a:schemeClr val="dk1"/>
-                </a:solidFill>
-              </a:rPr>
-              <a:t>and participating in</a:t>
-            </a:r>
-            <a:endParaRPr sz="1200">
-              <a:solidFill>
-                <a:schemeClr val="dk1"/>
-              </a:solidFill>
-            </a:endParaRPr>
-          </a:p>
-          <a:p>
-            <a:pPr indent="0" lvl="0" marL="0" rtl="0" algn="l">
-              <a:lnSpc>
-                <a:spcPct val="80000"/>
-              </a:lnSpc>
-              <a:spcBef>
-                <a:spcPts val="0"/>
-              </a:spcBef>
-              <a:spcAft>
-                <a:spcPts val="0"/>
-              </a:spcAft>
-              <a:buClr>
-                <a:schemeClr val="dk1"/>
-              </a:buClr>
-              <a:buSzPts val="275"/>
-              <a:buFont typeface="Arial"/>
-              <a:buNone/>
-            </a:pPr>
-            <a:r>
-              <a:rPr lang="en" sz="1200">
-                <a:solidFill>
-                  <a:schemeClr val="dk1"/>
-                </a:solidFill>
-              </a:rPr>
-              <a:t>outdoor activities</a:t>
-            </a:r>
-            <a:endParaRPr sz="1200">
-              <a:solidFill>
-                <a:schemeClr val="dk1"/>
-              </a:solidFill>
-            </a:endParaRPr>
-          </a:p>
-          <a:p>
-            <a:pPr indent="0" lvl="0" marL="0" rtl="0" algn="l">
-              <a:lnSpc>
-                <a:spcPct val="80000"/>
-              </a:lnSpc>
-              <a:spcBef>
-                <a:spcPts val="0"/>
-              </a:spcBef>
-              <a:spcAft>
-                <a:spcPts val="0"/>
-              </a:spcAft>
-              <a:buSzPts val="275"/>
-              <a:buNone/>
-            </a:pPr>
-            <a:r>
-              <a:t/>
-            </a:r>
-            <a:endParaRPr sz="1200">
-              <a:solidFill>
-                <a:schemeClr val="dk1"/>
-              </a:solidFill>
-            </a:endParaRPr>
-          </a:p>
-          <a:p>
-            <a:pPr indent="0" lvl="0" marL="0" rtl="0" algn="l">
-              <a:lnSpc>
-                <a:spcPct val="80000"/>
-              </a:lnSpc>
-              <a:spcBef>
-                <a:spcPts val="0"/>
-              </a:spcBef>
-              <a:spcAft>
-                <a:spcPts val="0"/>
-              </a:spcAft>
-              <a:buClr>
-                <a:schemeClr val="dk1"/>
-              </a:buClr>
-              <a:buSzPts val="275"/>
-              <a:buFont typeface="Arial"/>
-              <a:buNone/>
-            </a:pPr>
-            <a:r>
-              <a:rPr lang="en" sz="1200">
-                <a:solidFill>
-                  <a:schemeClr val="dk1"/>
-                </a:solidFill>
-              </a:rPr>
-              <a:t>John Baker, a fellow</a:t>
-            </a:r>
-            <a:endParaRPr sz="1200">
-              <a:solidFill>
-                <a:schemeClr val="dk1"/>
-              </a:solidFill>
-            </a:endParaRPr>
-          </a:p>
-          <a:p>
-            <a:pPr indent="0" lvl="0" marL="0" rtl="0" algn="l">
-              <a:lnSpc>
-                <a:spcPct val="80000"/>
-              </a:lnSpc>
-              <a:spcBef>
-                <a:spcPts val="0"/>
-              </a:spcBef>
-              <a:spcAft>
-                <a:spcPts val="0"/>
-              </a:spcAft>
-              <a:buClr>
-                <a:schemeClr val="dk1"/>
-              </a:buClr>
-              <a:buSzPts val="275"/>
-              <a:buFont typeface="Arial"/>
-              <a:buNone/>
-            </a:pPr>
-            <a:r>
-              <a:rPr lang="en" sz="1200">
-                <a:solidFill>
-                  <a:schemeClr val="dk1"/>
-                </a:solidFill>
-              </a:rPr>
-              <a:t>flatmate, who is</a:t>
-            </a:r>
-            <a:endParaRPr sz="1200">
-              <a:solidFill>
-                <a:schemeClr val="dk1"/>
-              </a:solidFill>
-            </a:endParaRPr>
-          </a:p>
-          <a:p>
-            <a:pPr indent="0" lvl="0" marL="0" rtl="0" algn="l">
-              <a:lnSpc>
-                <a:spcPct val="80000"/>
-              </a:lnSpc>
-              <a:spcBef>
-                <a:spcPts val="0"/>
-              </a:spcBef>
-              <a:spcAft>
-                <a:spcPts val="0"/>
-              </a:spcAft>
-              <a:buClr>
-                <a:schemeClr val="dk1"/>
-              </a:buClr>
-              <a:buSzPts val="275"/>
-              <a:buFont typeface="Arial"/>
-              <a:buNone/>
-            </a:pPr>
-            <a:r>
-              <a:rPr lang="en" sz="1200">
-                <a:solidFill>
-                  <a:schemeClr val="dk1"/>
-                </a:solidFill>
-              </a:rPr>
-              <a:t>cautious and takes</a:t>
-            </a:r>
-            <a:endParaRPr sz="1200">
-              <a:solidFill>
-                <a:schemeClr val="dk1"/>
-              </a:solidFill>
-            </a:endParaRPr>
-          </a:p>
-          <a:p>
-            <a:pPr indent="0" lvl="0" marL="0" rtl="0" algn="l">
-              <a:lnSpc>
-                <a:spcPct val="80000"/>
-              </a:lnSpc>
-              <a:spcBef>
-                <a:spcPts val="0"/>
-              </a:spcBef>
-              <a:spcAft>
-                <a:spcPts val="0"/>
-              </a:spcAft>
-              <a:buClr>
-                <a:schemeClr val="dk1"/>
-              </a:buClr>
-              <a:buSzPts val="275"/>
-              <a:buFont typeface="Arial"/>
-              <a:buNone/>
-            </a:pPr>
-            <a:r>
-              <a:rPr lang="en" sz="1200">
-                <a:solidFill>
-                  <a:schemeClr val="dk1"/>
-                </a:solidFill>
-              </a:rPr>
-              <a:t>their time looking at</a:t>
-            </a:r>
-            <a:endParaRPr sz="1200">
-              <a:solidFill>
-                <a:schemeClr val="dk1"/>
-              </a:solidFill>
-            </a:endParaRPr>
-          </a:p>
-          <a:p>
-            <a:pPr indent="0" lvl="0" marL="0" rtl="0" algn="l">
-              <a:lnSpc>
-                <a:spcPct val="80000"/>
-              </a:lnSpc>
-              <a:spcBef>
-                <a:spcPts val="0"/>
-              </a:spcBef>
-              <a:spcAft>
-                <a:spcPts val="0"/>
-              </a:spcAft>
-              <a:buClr>
-                <a:schemeClr val="dk1"/>
-              </a:buClr>
-              <a:buSzPts val="275"/>
-              <a:buFont typeface="Arial"/>
-              <a:buNone/>
-            </a:pPr>
-            <a:r>
-              <a:rPr lang="en" sz="1200">
-                <a:solidFill>
-                  <a:schemeClr val="dk1"/>
-                </a:solidFill>
-              </a:rPr>
-              <a:t>finer details.</a:t>
-            </a:r>
-            <a:endParaRPr sz="1200">
-              <a:solidFill>
-                <a:schemeClr val="dk1"/>
-              </a:solidFill>
-            </a:endParaRPr>
-          </a:p>
-          <a:p>
-            <a:pPr indent="0" lvl="0" marL="0" rtl="0" algn="ctr">
-              <a:lnSpc>
-                <a:spcPct val="80000"/>
-              </a:lnSpc>
-              <a:spcBef>
-                <a:spcPts val="0"/>
-              </a:spcBef>
-              <a:spcAft>
-                <a:spcPts val="0"/>
-              </a:spcAft>
-              <a:buSzPts val="275"/>
-              <a:buNone/>
-            </a:pPr>
-            <a:r>
-              <a:t/>
-            </a:r>
-            <a:endParaRPr sz="1000"/>
+            <a:endParaRPr sz="1600"/>
           </a:p>
         </p:txBody>
       </p:sp>
@@ -9437,7 +7643,7 @@
   <p:cSld>
     <p:spTree>
       <p:nvGrpSpPr>
-        <p:cNvPr id="99" name="Shape 99"/>
+        <p:cNvPr id="100" name="Shape 100"/>
         <p:cNvGrpSpPr/>
         <p:nvPr/>
       </p:nvGrpSpPr>
@@ -9451,7 +7657,7 @@
       </p:grpSpPr>
       <p:pic>
         <p:nvPicPr>
-          <p:cNvPr id="100" name="Google Shape;100;p22"/>
+          <p:cNvPr id="101" name="Google Shape;101;p22"/>
           <p:cNvPicPr preferRelativeResize="0"/>
           <p:nvPr/>
         </p:nvPicPr>
@@ -9466,7 +7672,7 @@
         <p:spPr>
           <a:xfrm>
             <a:off x="152400" y="152400"/>
-            <a:ext cx="2309787" cy="5181599"/>
+            <a:ext cx="2383787" cy="5181599"/>
           </a:xfrm>
           <a:prstGeom prst="rect">
             <a:avLst/>
@@ -9490,7 +7696,7 @@
   <p:cSld>
     <p:spTree>
       <p:nvGrpSpPr>
-        <p:cNvPr id="104" name="Shape 104"/>
+        <p:cNvPr id="105" name="Shape 105"/>
         <p:cNvGrpSpPr/>
         <p:nvPr/>
       </p:nvGrpSpPr>
@@ -9504,7 +7710,7 @@
       </p:grpSpPr>
       <p:pic>
         <p:nvPicPr>
-          <p:cNvPr id="105" name="Google Shape;105;p23"/>
+          <p:cNvPr id="106" name="Google Shape;106;p23"/>
           <p:cNvPicPr preferRelativeResize="0"/>
           <p:nvPr/>
         </p:nvPicPr>
@@ -9518,8 +7724,8 @@
         </p:blipFill>
         <p:spPr>
           <a:xfrm>
-            <a:off x="152400" y="152400"/>
-            <a:ext cx="2294708" cy="5181599"/>
+            <a:off x="109595" y="102650"/>
+            <a:ext cx="2524009" cy="5486399"/>
           </a:xfrm>
           <a:prstGeom prst="rect">
             <a:avLst/>
@@ -9543,7 +7749,7 @@
   <p:cSld>
     <p:spTree>
       <p:nvGrpSpPr>
-        <p:cNvPr id="109" name="Shape 109"/>
+        <p:cNvPr id="110" name="Shape 110"/>
         <p:cNvGrpSpPr/>
         <p:nvPr/>
       </p:nvGrpSpPr>
@@ -9557,7 +7763,7 @@
       </p:grpSpPr>
       <p:sp>
         <p:nvSpPr>
-          <p:cNvPr id="110" name="Google Shape;110;p24"/>
+          <p:cNvPr id="111" name="Google Shape;111;p24"/>
           <p:cNvSpPr txBox="1"/>
           <p:nvPr>
             <p:ph type="title"/>
@@ -9565,8 +7771,8 @@
         </p:nvSpPr>
         <p:spPr>
           <a:xfrm>
-            <a:off x="93500" y="474726"/>
-            <a:ext cx="2556300" cy="2408700"/>
+            <a:off x="93500" y="474699"/>
+            <a:ext cx="2556300" cy="1054200"/>
           </a:xfrm>
           <a:prstGeom prst="rect">
             <a:avLst/>
@@ -9585,18 +7791,22 @@
               <a:spcAft>
                 <a:spcPts val="0"/>
               </a:spcAft>
-              <a:buSzPts val="990"/>
+              <a:buClr>
+                <a:schemeClr val="dk1"/>
+              </a:buClr>
+              <a:buSzPts val="1100"/>
+              <a:buFont typeface="Arial"/>
               <a:buNone/>
             </a:pPr>
             <a:r>
-              <a:rPr b="1" lang="en" sz="1620"/>
-              <a:t>User Task 2</a:t>
+              <a:rPr b="1" lang="en" sz="1600"/>
+              <a:t>User Task 3:</a:t>
             </a:r>
             <a:r>
-              <a:rPr lang="en" sz="1620"/>
-              <a:t>: Edit a</a:t>
+              <a:rPr lang="en" sz="1600"/>
+              <a:t> Remind a group of tenants to pay an overdue bill and add a late penalty to it.</a:t>
             </a:r>
-            <a:endParaRPr sz="1620"/>
+            <a:endParaRPr sz="1600"/>
           </a:p>
           <a:p>
             <a:pPr indent="0" lvl="0" marL="0" rtl="0" algn="l">
@@ -9606,77 +7816,72 @@
               <a:spcAft>
                 <a:spcPts val="0"/>
               </a:spcAft>
+              <a:buNone/>
+            </a:pPr>
+            <a:r>
+              <a:t/>
+            </a:r>
+            <a:endParaRPr sz="1200"/>
+          </a:p>
+        </p:txBody>
+      </p:sp>
+      <p:sp>
+        <p:nvSpPr>
+          <p:cNvPr id="112" name="Google Shape;112;p24"/>
+          <p:cNvSpPr txBox="1"/>
+          <p:nvPr>
+            <p:ph idx="1" type="body"/>
+          </p:nvPr>
+        </p:nvSpPr>
+        <p:spPr>
+          <a:xfrm>
+            <a:off x="93450" y="2117654"/>
+            <a:ext cx="2556300" cy="1335600"/>
+          </a:xfrm>
+          <a:prstGeom prst="rect">
+            <a:avLst/>
+          </a:prstGeom>
+        </p:spPr>
+        <p:txBody>
+          <a:bodyPr anchorCtr="0" anchor="t" bIns="91425" lIns="91425" spcFirstLastPara="1" rIns="91425" wrap="square" tIns="91425">
+            <a:noAutofit/>
+          </a:bodyPr>
+          <a:lstStyle/>
+          <a:p>
+            <a:pPr indent="0" lvl="0" marL="0" rtl="0" algn="l">
+              <a:lnSpc>
+                <a:spcPct val="95000"/>
+              </a:lnSpc>
+              <a:spcBef>
+                <a:spcPts val="0"/>
+              </a:spcBef>
+              <a:spcAft>
+                <a:spcPts val="1200"/>
+              </a:spcAft>
               <a:buClr>
                 <a:schemeClr val="dk1"/>
               </a:buClr>
-              <a:buSzPts val="990"/>
+              <a:buSzPts val="275"/>
               <a:buFont typeface="Arial"/>
               <a:buNone/>
             </a:pPr>
             <a:r>
-              <a:rPr lang="en" sz="1620"/>
-              <a:t>payment’s details in which Alex Singh (flatmate) added John</a:t>
+              <a:rPr b="1" lang="en" sz="1600">
+                <a:solidFill>
+                  <a:schemeClr val="dk1"/>
+                </a:solidFill>
+              </a:rPr>
+              <a:t>Persona:</a:t>
             </a:r>
-            <a:endParaRPr sz="1620"/>
-          </a:p>
-          <a:p>
-            <a:pPr indent="0" lvl="0" marL="0" rtl="0" algn="l">
-              <a:spcBef>
-                <a:spcPts val="0"/>
-              </a:spcBef>
-              <a:spcAft>
-                <a:spcPts val="0"/>
-              </a:spcAft>
-              <a:buClr>
-                <a:schemeClr val="dk1"/>
-              </a:buClr>
-              <a:buSzPts val="990"/>
-              <a:buFont typeface="Arial"/>
-              <a:buNone/>
-            </a:pPr>
             <a:r>
-              <a:rPr lang="en" sz="1620"/>
-              <a:t>Baker as a member by accident, since they were in hurry to add the payment due to their busy</a:t>
+              <a:rPr lang="en" sz="1600">
+                <a:solidFill>
+                  <a:schemeClr val="dk1"/>
+                </a:solidFill>
+              </a:rPr>
+              <a:t> Debby Smith</a:t>
             </a:r>
-            <a:endParaRPr sz="1620"/>
-          </a:p>
-          <a:p>
-            <a:pPr indent="0" lvl="0" marL="0" rtl="0" algn="l">
-              <a:spcBef>
-                <a:spcPts val="0"/>
-              </a:spcBef>
-              <a:spcAft>
-                <a:spcPts val="0"/>
-              </a:spcAft>
-              <a:buClr>
-                <a:schemeClr val="dk1"/>
-              </a:buClr>
-              <a:buSzPts val="990"/>
-              <a:buFont typeface="Arial"/>
-              <a:buNone/>
-            </a:pPr>
-            <a:r>
-              <a:rPr lang="en" sz="1620"/>
-              <a:t>schedule.</a:t>
-            </a:r>
-            <a:endParaRPr sz="1620"/>
-          </a:p>
-          <a:p>
-            <a:pPr indent="0" lvl="0" marL="0" rtl="0" algn="l">
-              <a:spcBef>
-                <a:spcPts val="0"/>
-              </a:spcBef>
-              <a:spcAft>
-                <a:spcPts val="0"/>
-              </a:spcAft>
-              <a:buSzPts val="990"/>
-              <a:buNone/>
-            </a:pPr>
-            <a:r>
-              <a:rPr lang="en" sz="1620"/>
-              <a:t> </a:t>
-            </a:r>
-            <a:endParaRPr sz="1620"/>
+            <a:endParaRPr sz="1600"/>
           </a:p>
         </p:txBody>
       </p:sp>
@@ -9693,7 +7898,60 @@
   <p:cSld>
     <p:spTree>
       <p:nvGrpSpPr>
-        <p:cNvPr id="114" name="Shape 114"/>
+        <p:cNvPr id="116" name="Shape 116"/>
+        <p:cNvGrpSpPr/>
+        <p:nvPr/>
+      </p:nvGrpSpPr>
+      <p:grpSpPr>
+        <a:xfrm>
+          <a:off x="0" y="0"/>
+          <a:ext cx="0" cy="0"/>
+          <a:chOff x="0" y="0"/>
+          <a:chExt cx="0" cy="0"/>
+        </a:xfrm>
+      </p:grpSpPr>
+      <p:pic>
+        <p:nvPicPr>
+          <p:cNvPr id="117" name="Google Shape;117;p25"/>
+          <p:cNvPicPr preferRelativeResize="0"/>
+          <p:nvPr/>
+        </p:nvPicPr>
+        <p:blipFill>
+          <a:blip r:embed="rId3">
+            <a:alphaModFix/>
+          </a:blip>
+          <a:stretch>
+            <a:fillRect/>
+          </a:stretch>
+        </p:blipFill>
+        <p:spPr>
+          <a:xfrm>
+            <a:off x="152400" y="152400"/>
+            <a:ext cx="2304961" cy="5181600"/>
+          </a:xfrm>
+          <a:prstGeom prst="rect">
+            <a:avLst/>
+          </a:prstGeom>
+          <a:noFill/>
+          <a:ln>
+            <a:noFill/>
+          </a:ln>
+        </p:spPr>
+      </p:pic>
+    </p:spTree>
+  </p:cSld>
+  <p:clrMapOvr>
+    <a:masterClrMapping/>
+  </p:clrMapOvr>
+</p:sld>
+</file>
+
+<file path=ppt/slides/slide14.xml><?xml version="1.0" encoding="utf-8"?>
+<p:sld xmlns:a="http://schemas.openxmlformats.org/drawingml/2006/main" xmlns:r="http://schemas.openxmlformats.org/officeDocument/2006/relationships" xmlns:mc="http://schemas.openxmlformats.org/markup-compatibility/2006" xmlns:mv="urn:schemas-microsoft-com:mac:vml" xmlns:p="http://schemas.openxmlformats.org/presentationml/2006/main" xmlns:c="http://schemas.openxmlformats.org/drawingml/2006/chart" xmlns:dgm="http://schemas.openxmlformats.org/drawingml/2006/diagram" xmlns:o="urn:schemas-microsoft-com:office:office" xmlns:v="urn:schemas-microsoft-com:vml" xmlns:pvml="urn:schemas-microsoft-com:office:powerpoint" xmlns:com="http://schemas.openxmlformats.org/drawingml/2006/compatibility" xmlns:p14="http://schemas.microsoft.com/office/powerpoint/2010/main" xmlns:p15="http://schemas.microsoft.com/office/powerpoint/2012/main" xmlns:ahyp="http://schemas.microsoft.com/office/drawing/2018/hyperlinkcolor">
+  <p:cSld>
+    <p:spTree>
+      <p:nvGrpSpPr>
+        <p:cNvPr id="121" name="Shape 121"/>
         <p:cNvGrpSpPr/>
         <p:nvPr/>
       </p:nvGrpSpPr>
@@ -9707,16 +7965,16 @@
       </p:grpSpPr>
       <p:sp>
         <p:nvSpPr>
-          <p:cNvPr id="115" name="Google Shape;115;p25"/>
+          <p:cNvPr id="122" name="Google Shape;122;p26"/>
           <p:cNvSpPr txBox="1"/>
           <p:nvPr>
-            <p:ph idx="1" type="body"/>
+            <p:ph type="title"/>
           </p:nvPr>
         </p:nvSpPr>
         <p:spPr>
           <a:xfrm>
-            <a:off x="93450" y="122897"/>
-            <a:ext cx="2600700" cy="5242500"/>
+            <a:off x="93510" y="474693"/>
+            <a:ext cx="2556300" cy="610800"/>
           </a:xfrm>
           <a:prstGeom prst="rect">
             <a:avLst/>
@@ -9729,9 +7987,320 @@
           <a:lstStyle/>
           <a:p>
             <a:pPr indent="0" lvl="0" marL="0" rtl="0" algn="l">
-              <a:lnSpc>
-                <a:spcPct val="105000"/>
-              </a:lnSpc>
+              <a:spcBef>
+                <a:spcPts val="0"/>
+              </a:spcBef>
+              <a:spcAft>
+                <a:spcPts val="0"/>
+              </a:spcAft>
+              <a:buNone/>
+            </a:pPr>
+            <a:r>
+              <a:t/>
+            </a:r>
+            <a:endParaRPr/>
+          </a:p>
+        </p:txBody>
+      </p:sp>
+      <p:sp>
+        <p:nvSpPr>
+          <p:cNvPr id="123" name="Google Shape;123;p26"/>
+          <p:cNvSpPr txBox="1"/>
+          <p:nvPr>
+            <p:ph idx="1" type="body"/>
+          </p:nvPr>
+        </p:nvSpPr>
+        <p:spPr>
+          <a:xfrm>
+            <a:off x="93510" y="1229307"/>
+            <a:ext cx="2556300" cy="3644100"/>
+          </a:xfrm>
+          <a:prstGeom prst="rect">
+            <a:avLst/>
+          </a:prstGeom>
+        </p:spPr>
+        <p:txBody>
+          <a:bodyPr anchorCtr="0" anchor="t" bIns="91425" lIns="91425" spcFirstLastPara="1" rIns="91425" wrap="square" tIns="91425">
+            <a:normAutofit/>
+          </a:bodyPr>
+          <a:lstStyle/>
+          <a:p>
+            <a:pPr indent="0" lvl="0" marL="0" rtl="0" algn="l">
+              <a:spcBef>
+                <a:spcPts val="0"/>
+              </a:spcBef>
+              <a:spcAft>
+                <a:spcPts val="1200"/>
+              </a:spcAft>
+              <a:buNone/>
+            </a:pPr>
+            <a:r>
+              <a:t/>
+            </a:r>
+            <a:endParaRPr/>
+          </a:p>
+        </p:txBody>
+      </p:sp>
+      <p:pic>
+        <p:nvPicPr>
+          <p:cNvPr id="124" name="Google Shape;124;p26"/>
+          <p:cNvPicPr preferRelativeResize="0"/>
+          <p:nvPr/>
+        </p:nvPicPr>
+        <p:blipFill>
+          <a:blip r:embed="rId3">
+            <a:alphaModFix/>
+          </a:blip>
+          <a:stretch>
+            <a:fillRect/>
+          </a:stretch>
+        </p:blipFill>
+        <p:spPr>
+          <a:xfrm>
+            <a:off x="151327" y="0"/>
+            <a:ext cx="2440547" cy="5486401"/>
+          </a:xfrm>
+          <a:prstGeom prst="rect">
+            <a:avLst/>
+          </a:prstGeom>
+          <a:noFill/>
+          <a:ln>
+            <a:noFill/>
+          </a:ln>
+        </p:spPr>
+      </p:pic>
+    </p:spTree>
+  </p:cSld>
+  <p:clrMapOvr>
+    <a:masterClrMapping/>
+  </p:clrMapOvr>
+</p:sld>
+</file>
+
+<file path=ppt/slides/slide15.xml><?xml version="1.0" encoding="utf-8"?>
+<p:sld xmlns:a="http://schemas.openxmlformats.org/drawingml/2006/main" xmlns:r="http://schemas.openxmlformats.org/officeDocument/2006/relationships" xmlns:mc="http://schemas.openxmlformats.org/markup-compatibility/2006" xmlns:mv="urn:schemas-microsoft-com:mac:vml" xmlns:p="http://schemas.openxmlformats.org/presentationml/2006/main" xmlns:c="http://schemas.openxmlformats.org/drawingml/2006/chart" xmlns:dgm="http://schemas.openxmlformats.org/drawingml/2006/diagram" xmlns:o="urn:schemas-microsoft-com:office:office" xmlns:v="urn:schemas-microsoft-com:vml" xmlns:pvml="urn:schemas-microsoft-com:office:powerpoint" xmlns:com="http://schemas.openxmlformats.org/drawingml/2006/compatibility" xmlns:p14="http://schemas.microsoft.com/office/powerpoint/2010/main" xmlns:p15="http://schemas.microsoft.com/office/powerpoint/2012/main" xmlns:ahyp="http://schemas.microsoft.com/office/drawing/2018/hyperlinkcolor">
+  <p:cSld>
+    <p:spTree>
+      <p:nvGrpSpPr>
+        <p:cNvPr id="128" name="Shape 128"/>
+        <p:cNvGrpSpPr/>
+        <p:nvPr/>
+      </p:nvGrpSpPr>
+      <p:grpSpPr>
+        <a:xfrm>
+          <a:off x="0" y="0"/>
+          <a:ext cx="0" cy="0"/>
+          <a:chOff x="0" y="0"/>
+          <a:chExt cx="0" cy="0"/>
+        </a:xfrm>
+      </p:grpSpPr>
+      <p:pic>
+        <p:nvPicPr>
+          <p:cNvPr id="129" name="Google Shape;129;p27"/>
+          <p:cNvPicPr preferRelativeResize="0"/>
+          <p:nvPr/>
+        </p:nvPicPr>
+        <p:blipFill>
+          <a:blip r:embed="rId3">
+            <a:alphaModFix/>
+          </a:blip>
+          <a:stretch>
+            <a:fillRect/>
+          </a:stretch>
+        </p:blipFill>
+        <p:spPr>
+          <a:xfrm>
+            <a:off x="152400" y="152400"/>
+            <a:ext cx="2299563" cy="5181600"/>
+          </a:xfrm>
+          <a:prstGeom prst="rect">
+            <a:avLst/>
+          </a:prstGeom>
+          <a:noFill/>
+          <a:ln>
+            <a:noFill/>
+          </a:ln>
+        </p:spPr>
+      </p:pic>
+    </p:spTree>
+  </p:cSld>
+  <p:clrMapOvr>
+    <a:masterClrMapping/>
+  </p:clrMapOvr>
+</p:sld>
+</file>
+
+<file path=ppt/slides/slide16.xml><?xml version="1.0" encoding="utf-8"?>
+<p:sld xmlns:a="http://schemas.openxmlformats.org/drawingml/2006/main" xmlns:r="http://schemas.openxmlformats.org/officeDocument/2006/relationships" xmlns:mc="http://schemas.openxmlformats.org/markup-compatibility/2006" xmlns:mv="urn:schemas-microsoft-com:mac:vml" xmlns:p="http://schemas.openxmlformats.org/presentationml/2006/main" xmlns:c="http://schemas.openxmlformats.org/drawingml/2006/chart" xmlns:dgm="http://schemas.openxmlformats.org/drawingml/2006/diagram" xmlns:o="urn:schemas-microsoft-com:office:office" xmlns:v="urn:schemas-microsoft-com:vml" xmlns:pvml="urn:schemas-microsoft-com:office:powerpoint" xmlns:com="http://schemas.openxmlformats.org/drawingml/2006/compatibility" xmlns:p14="http://schemas.microsoft.com/office/powerpoint/2010/main" xmlns:p15="http://schemas.microsoft.com/office/powerpoint/2012/main" xmlns:ahyp="http://schemas.microsoft.com/office/drawing/2018/hyperlinkcolor">
+  <p:cSld>
+    <p:spTree>
+      <p:nvGrpSpPr>
+        <p:cNvPr id="133" name="Shape 133"/>
+        <p:cNvGrpSpPr/>
+        <p:nvPr/>
+      </p:nvGrpSpPr>
+      <p:grpSpPr>
+        <a:xfrm>
+          <a:off x="0" y="0"/>
+          <a:ext cx="0" cy="0"/>
+          <a:chOff x="0" y="0"/>
+          <a:chExt cx="0" cy="0"/>
+        </a:xfrm>
+      </p:grpSpPr>
+      <p:pic>
+        <p:nvPicPr>
+          <p:cNvPr id="134" name="Google Shape;134;p28"/>
+          <p:cNvPicPr preferRelativeResize="0"/>
+          <p:nvPr/>
+        </p:nvPicPr>
+        <p:blipFill>
+          <a:blip r:embed="rId3">
+            <a:alphaModFix/>
+          </a:blip>
+          <a:stretch>
+            <a:fillRect/>
+          </a:stretch>
+        </p:blipFill>
+        <p:spPr>
+          <a:xfrm>
+            <a:off x="152400" y="152400"/>
+            <a:ext cx="2316688" cy="5181600"/>
+          </a:xfrm>
+          <a:prstGeom prst="rect">
+            <a:avLst/>
+          </a:prstGeom>
+          <a:noFill/>
+          <a:ln>
+            <a:noFill/>
+          </a:ln>
+        </p:spPr>
+      </p:pic>
+    </p:spTree>
+  </p:cSld>
+  <p:clrMapOvr>
+    <a:masterClrMapping/>
+  </p:clrMapOvr>
+</p:sld>
+</file>
+
+<file path=ppt/slides/slide17.xml><?xml version="1.0" encoding="utf-8"?>
+<p:sld xmlns:a="http://schemas.openxmlformats.org/drawingml/2006/main" xmlns:r="http://schemas.openxmlformats.org/officeDocument/2006/relationships" xmlns:mc="http://schemas.openxmlformats.org/markup-compatibility/2006" xmlns:mv="urn:schemas-microsoft-com:mac:vml" xmlns:p="http://schemas.openxmlformats.org/presentationml/2006/main" xmlns:c="http://schemas.openxmlformats.org/drawingml/2006/chart" xmlns:dgm="http://schemas.openxmlformats.org/drawingml/2006/diagram" xmlns:o="urn:schemas-microsoft-com:office:office" xmlns:v="urn:schemas-microsoft-com:vml" xmlns:pvml="urn:schemas-microsoft-com:office:powerpoint" xmlns:com="http://schemas.openxmlformats.org/drawingml/2006/compatibility" xmlns:p14="http://schemas.microsoft.com/office/powerpoint/2010/main" xmlns:p15="http://schemas.microsoft.com/office/powerpoint/2012/main" xmlns:ahyp="http://schemas.microsoft.com/office/drawing/2018/hyperlinkcolor">
+  <p:cSld>
+    <p:spTree>
+      <p:nvGrpSpPr>
+        <p:cNvPr id="138" name="Shape 138"/>
+        <p:cNvGrpSpPr/>
+        <p:nvPr/>
+      </p:nvGrpSpPr>
+      <p:grpSpPr>
+        <a:xfrm>
+          <a:off x="0" y="0"/>
+          <a:ext cx="0" cy="0"/>
+          <a:chOff x="0" y="0"/>
+          <a:chExt cx="0" cy="0"/>
+        </a:xfrm>
+      </p:grpSpPr>
+      <p:pic>
+        <p:nvPicPr>
+          <p:cNvPr id="139" name="Google Shape;139;p29"/>
+          <p:cNvPicPr preferRelativeResize="0"/>
+          <p:nvPr/>
+        </p:nvPicPr>
+        <p:blipFill>
+          <a:blip r:embed="rId3">
+            <a:alphaModFix/>
+          </a:blip>
+          <a:stretch>
+            <a:fillRect/>
+          </a:stretch>
+        </p:blipFill>
+        <p:spPr>
+          <a:xfrm>
+            <a:off x="152400" y="152400"/>
+            <a:ext cx="2277035" cy="5181599"/>
+          </a:xfrm>
+          <a:prstGeom prst="rect">
+            <a:avLst/>
+          </a:prstGeom>
+          <a:noFill/>
+          <a:ln>
+            <a:noFill/>
+          </a:ln>
+        </p:spPr>
+      </p:pic>
+    </p:spTree>
+  </p:cSld>
+  <p:clrMapOvr>
+    <a:masterClrMapping/>
+  </p:clrMapOvr>
+</p:sld>
+</file>
+
+<file path=ppt/slides/slide18.xml><?xml version="1.0" encoding="utf-8"?>
+<p:sld xmlns:a="http://schemas.openxmlformats.org/drawingml/2006/main" xmlns:r="http://schemas.openxmlformats.org/officeDocument/2006/relationships" xmlns:mc="http://schemas.openxmlformats.org/markup-compatibility/2006" xmlns:mv="urn:schemas-microsoft-com:mac:vml" xmlns:p="http://schemas.openxmlformats.org/presentationml/2006/main" xmlns:c="http://schemas.openxmlformats.org/drawingml/2006/chart" xmlns:dgm="http://schemas.openxmlformats.org/drawingml/2006/diagram" xmlns:o="urn:schemas-microsoft-com:office:office" xmlns:v="urn:schemas-microsoft-com:vml" xmlns:pvml="urn:schemas-microsoft-com:office:powerpoint" xmlns:com="http://schemas.openxmlformats.org/drawingml/2006/compatibility" xmlns:p14="http://schemas.microsoft.com/office/powerpoint/2010/main" xmlns:p15="http://schemas.microsoft.com/office/powerpoint/2012/main" xmlns:ahyp="http://schemas.microsoft.com/office/drawing/2018/hyperlinkcolor">
+  <p:cSld>
+    <p:spTree>
+      <p:nvGrpSpPr>
+        <p:cNvPr id="143" name="Shape 143"/>
+        <p:cNvGrpSpPr/>
+        <p:nvPr/>
+      </p:nvGrpSpPr>
+      <p:grpSpPr>
+        <a:xfrm>
+          <a:off x="0" y="0"/>
+          <a:ext cx="0" cy="0"/>
+          <a:chOff x="0" y="0"/>
+          <a:chExt cx="0" cy="0"/>
+        </a:xfrm>
+      </p:grpSpPr>
+      <p:sp>
+        <p:nvSpPr>
+          <p:cNvPr id="144" name="Google Shape;144;p30"/>
+          <p:cNvSpPr txBox="1"/>
+          <p:nvPr>
+            <p:ph type="ctrTitle"/>
+          </p:nvPr>
+        </p:nvSpPr>
+        <p:spPr>
+          <a:xfrm>
+            <a:off x="93513" y="794213"/>
+            <a:ext cx="2556300" cy="2189400"/>
+          </a:xfrm>
+          <a:prstGeom prst="rect">
+            <a:avLst/>
+          </a:prstGeom>
+        </p:spPr>
+        <p:txBody>
+          <a:bodyPr anchorCtr="0" anchor="b" bIns="91425" lIns="91425" spcFirstLastPara="1" rIns="91425" wrap="square" tIns="91425">
+            <a:normAutofit fontScale="90000"/>
+          </a:bodyPr>
+          <a:lstStyle/>
+          <a:p>
+            <a:pPr indent="0" lvl="0" marL="0" rtl="0" algn="l">
+              <a:spcBef>
+                <a:spcPts val="0"/>
+              </a:spcBef>
+              <a:spcAft>
+                <a:spcPts val="0"/>
+              </a:spcAft>
+              <a:buNone/>
+            </a:pPr>
+            <a:r>
+              <a:rPr b="1" lang="en" sz="1600"/>
+              <a:t>Special</a:t>
+            </a:r>
+            <a:r>
+              <a:rPr b="1" lang="en" sz="1600"/>
+              <a:t> User Task: </a:t>
+            </a:r>
+            <a:r>
+              <a:rPr lang="en" sz="1600"/>
+              <a:t>Understand how a</a:t>
+            </a:r>
+            <a:endParaRPr sz="1600"/>
+          </a:p>
+          <a:p>
+            <a:pPr indent="0" lvl="0" marL="0" rtl="0" algn="l">
               <a:spcBef>
                 <a:spcPts val="0"/>
               </a:spcBef>
@@ -9741,106 +8310,167 @@
               <a:buClr>
                 <a:schemeClr val="dk1"/>
               </a:buClr>
-              <a:buSzPts val="770"/>
+              <a:buSzPct val="68750"/>
               <a:buFont typeface="Arial"/>
               <a:buNone/>
             </a:pPr>
             <a:r>
-              <a:rPr b="1" lang="en" sz="1200">
+              <a:rPr lang="en" sz="1600"/>
+              <a:t>particular feature in the</a:t>
+            </a:r>
+            <a:endParaRPr sz="1600"/>
+          </a:p>
+          <a:p>
+            <a:pPr indent="0" lvl="0" marL="0" rtl="0" algn="l">
+              <a:spcBef>
+                <a:spcPts val="0"/>
+              </a:spcBef>
+              <a:spcAft>
+                <a:spcPts val="0"/>
+              </a:spcAft>
+              <a:buClr>
+                <a:schemeClr val="dk1"/>
+              </a:buClr>
+              <a:buSzPct val="68750"/>
+              <a:buFont typeface="Arial"/>
+              <a:buNone/>
+            </a:pPr>
+            <a:r>
+              <a:rPr lang="en" sz="1600"/>
+              <a:t>app works (get help) to</a:t>
+            </a:r>
+            <a:endParaRPr sz="1600"/>
+          </a:p>
+          <a:p>
+            <a:pPr indent="0" lvl="0" marL="0" rtl="0" algn="l">
+              <a:spcBef>
+                <a:spcPts val="0"/>
+              </a:spcBef>
+              <a:spcAft>
+                <a:spcPts val="0"/>
+              </a:spcAft>
+              <a:buClr>
+                <a:schemeClr val="dk1"/>
+              </a:buClr>
+              <a:buSzPct val="68750"/>
+              <a:buFont typeface="Arial"/>
+              <a:buNone/>
+            </a:pPr>
+            <a:r>
+              <a:rPr lang="en" sz="1600"/>
+              <a:t>finish a task OR to gain</a:t>
+            </a:r>
+            <a:endParaRPr sz="1600"/>
+          </a:p>
+          <a:p>
+            <a:pPr indent="0" lvl="0" marL="0" rtl="0" algn="l">
+              <a:spcBef>
+                <a:spcPts val="0"/>
+              </a:spcBef>
+              <a:spcAft>
+                <a:spcPts val="0"/>
+              </a:spcAft>
+              <a:buClr>
+                <a:schemeClr val="dk1"/>
+              </a:buClr>
+              <a:buSzPct val="68750"/>
+              <a:buFont typeface="Arial"/>
+              <a:buNone/>
+            </a:pPr>
+            <a:r>
+              <a:rPr lang="en" sz="1600"/>
+              <a:t>extra knowledge on</a:t>
+            </a:r>
+            <a:endParaRPr sz="1600"/>
+          </a:p>
+          <a:p>
+            <a:pPr indent="0" lvl="0" marL="0" rtl="0" algn="l">
+              <a:spcBef>
+                <a:spcPts val="0"/>
+              </a:spcBef>
+              <a:spcAft>
+                <a:spcPts val="0"/>
+              </a:spcAft>
+              <a:buClr>
+                <a:schemeClr val="dk1"/>
+              </a:buClr>
+              <a:buSzPct val="68750"/>
+              <a:buFont typeface="Arial"/>
+              <a:buNone/>
+            </a:pPr>
+            <a:r>
+              <a:rPr lang="en" sz="1600"/>
+              <a:t>Budgeting by watching a video</a:t>
+            </a:r>
+            <a:endParaRPr sz="1600"/>
+          </a:p>
+          <a:p>
+            <a:pPr indent="0" lvl="0" marL="0" rtl="0" algn="ctr">
+              <a:spcBef>
+                <a:spcPts val="0"/>
+              </a:spcBef>
+              <a:spcAft>
+                <a:spcPts val="0"/>
+              </a:spcAft>
+              <a:buNone/>
+            </a:pPr>
+            <a:r>
+              <a:rPr lang="en" sz="1600"/>
+              <a:t> </a:t>
+            </a:r>
+            <a:endParaRPr sz="1600"/>
+          </a:p>
+        </p:txBody>
+      </p:sp>
+      <p:sp>
+        <p:nvSpPr>
+          <p:cNvPr id="145" name="Google Shape;145;p30"/>
+          <p:cNvSpPr txBox="1"/>
+          <p:nvPr>
+            <p:ph idx="1" type="subTitle"/>
+          </p:nvPr>
+        </p:nvSpPr>
+        <p:spPr>
+          <a:xfrm>
+            <a:off x="93460" y="2983617"/>
+            <a:ext cx="2556300" cy="845400"/>
+          </a:xfrm>
+          <a:prstGeom prst="rect">
+            <a:avLst/>
+          </a:prstGeom>
+        </p:spPr>
+        <p:txBody>
+          <a:bodyPr anchorCtr="0" anchor="t" bIns="91425" lIns="91425" spcFirstLastPara="1" rIns="91425" wrap="square" tIns="91425">
+            <a:normAutofit/>
+          </a:bodyPr>
+          <a:lstStyle/>
+          <a:p>
+            <a:pPr indent="0" lvl="0" marL="0" rtl="0" algn="l">
+              <a:spcBef>
+                <a:spcPts val="0"/>
+              </a:spcBef>
+              <a:spcAft>
+                <a:spcPts val="0"/>
+              </a:spcAft>
+              <a:buNone/>
+            </a:pPr>
+            <a:r>
+              <a:rPr b="1" lang="en" sz="1600">
                 <a:solidFill>
                   <a:schemeClr val="dk1"/>
                 </a:solidFill>
               </a:rPr>
-              <a:t>Personas:</a:t>
+              <a:t>Persona: </a:t>
             </a:r>
-            <a:endParaRPr b="1" sz="1200">
-              <a:solidFill>
-                <a:schemeClr val="dk1"/>
-              </a:solidFill>
-            </a:endParaRPr>
-          </a:p>
-          <a:p>
-            <a:pPr indent="0" lvl="0" marL="0" rtl="0" algn="l">
-              <a:lnSpc>
-                <a:spcPct val="105000"/>
-              </a:lnSpc>
-              <a:spcBef>
-                <a:spcPts val="1200"/>
-              </a:spcBef>
-              <a:spcAft>
-                <a:spcPts val="0"/>
-              </a:spcAft>
-              <a:buSzPts val="770"/>
-              <a:buNone/>
-            </a:pPr>
             <a:r>
-              <a:rPr lang="en" sz="1200">
+              <a:rPr lang="en" sz="1600">
                 <a:solidFill>
                   <a:schemeClr val="dk1"/>
                 </a:solidFill>
               </a:rPr>
-              <a:t>• </a:t>
+              <a:t>John Bake</a:t>
             </a:r>
-            <a:r>
-              <a:rPr lang="en" sz="1200">
-                <a:solidFill>
-                  <a:schemeClr val="dk1"/>
-                </a:solidFill>
-              </a:rPr>
-              <a:t>Alex Singh who has a very busy schedule and wants to get jobs done fast. They have less time due to their software job, them attending many technology events and participating in outdoor activities </a:t>
-            </a:r>
-            <a:endParaRPr sz="1200">
-              <a:solidFill>
-                <a:schemeClr val="dk1"/>
-              </a:solidFill>
-            </a:endParaRPr>
-          </a:p>
-          <a:p>
-            <a:pPr indent="0" lvl="0" marL="0" rtl="0" algn="l">
-              <a:lnSpc>
-                <a:spcPct val="105000"/>
-              </a:lnSpc>
-              <a:spcBef>
-                <a:spcPts val="1200"/>
-              </a:spcBef>
-              <a:spcAft>
-                <a:spcPts val="0"/>
-              </a:spcAft>
-              <a:buSzPts val="770"/>
-              <a:buNone/>
-            </a:pPr>
-            <a:r>
-              <a:rPr lang="en" sz="1200">
-                <a:solidFill>
-                  <a:schemeClr val="dk1"/>
-                </a:solidFill>
-              </a:rPr>
-              <a:t>• John Baker, a fellow flatmate, who is cautious and takes their time looking at finer details. They realize that they have been added as a payee by mistake since they were out of town during the time and did not need to pay for the bill. The mistake could be because Alex was in a hurry due to their busy schedule. John contacts Alex to remind him to change the payment details. Alex changes these details.</a:t>
-            </a:r>
-            <a:endParaRPr sz="1200">
-              <a:solidFill>
-                <a:schemeClr val="dk1"/>
-              </a:solidFill>
-            </a:endParaRPr>
-          </a:p>
-          <a:p>
-            <a:pPr indent="0" lvl="0" marL="0" rtl="0" algn="l">
-              <a:lnSpc>
-                <a:spcPct val="105000"/>
-              </a:lnSpc>
-              <a:spcBef>
-                <a:spcPts val="1200"/>
-              </a:spcBef>
-              <a:spcAft>
-                <a:spcPts val="1200"/>
-              </a:spcAft>
-              <a:buSzPts val="770"/>
-              <a:buNone/>
-            </a:pPr>
-            <a:r>
-              <a:t/>
-            </a:r>
-            <a:endParaRPr sz="1200">
+            <a:endParaRPr sz="1600">
               <a:solidFill>
                 <a:schemeClr val="dk1"/>
               </a:solidFill>
@@ -9856,12 +8486,12 @@
 </p:sld>
 </file>
 
-<file path=ppt/slides/slide14.xml><?xml version="1.0" encoding="utf-8"?>
+<file path=ppt/slides/slide19.xml><?xml version="1.0" encoding="utf-8"?>
 <p:sld xmlns:a="http://schemas.openxmlformats.org/drawingml/2006/main" xmlns:r="http://schemas.openxmlformats.org/officeDocument/2006/relationships" xmlns:mc="http://schemas.openxmlformats.org/markup-compatibility/2006" xmlns:mv="urn:schemas-microsoft-com:mac:vml" xmlns:p="http://schemas.openxmlformats.org/presentationml/2006/main" xmlns:c="http://schemas.openxmlformats.org/drawingml/2006/chart" xmlns:dgm="http://schemas.openxmlformats.org/drawingml/2006/diagram" xmlns:o="urn:schemas-microsoft-com:office:office" xmlns:v="urn:schemas-microsoft-com:vml" xmlns:pvml="urn:schemas-microsoft-com:office:powerpoint" xmlns:com="http://schemas.openxmlformats.org/drawingml/2006/compatibility" xmlns:p14="http://schemas.microsoft.com/office/powerpoint/2010/main" xmlns:p15="http://schemas.microsoft.com/office/powerpoint/2012/main" xmlns:ahyp="http://schemas.microsoft.com/office/drawing/2018/hyperlinkcolor">
   <p:cSld>
     <p:spTree>
       <p:nvGrpSpPr>
-        <p:cNvPr id="119" name="Shape 119"/>
+        <p:cNvPr id="149" name="Shape 149"/>
         <p:cNvGrpSpPr/>
         <p:nvPr/>
       </p:nvGrpSpPr>
@@ -9875,7 +8505,7 @@
       </p:grpSpPr>
       <p:pic>
         <p:nvPicPr>
-          <p:cNvPr id="120" name="Google Shape;120;p26"/>
+          <p:cNvPr id="150" name="Google Shape;150;p31"/>
           <p:cNvPicPr preferRelativeResize="0"/>
           <p:nvPr/>
         </p:nvPicPr>
@@ -9890,7 +8520,7 @@
         <p:spPr>
           <a:xfrm>
             <a:off x="152400" y="152400"/>
-            <a:ext cx="2351433" cy="5181600"/>
+            <a:ext cx="2323220" cy="5181600"/>
           </a:xfrm>
           <a:prstGeom prst="rect">
             <a:avLst/>
@@ -9901,287 +8531,6 @@
           </a:ln>
         </p:spPr>
       </p:pic>
-    </p:spTree>
-  </p:cSld>
-  <p:clrMapOvr>
-    <a:masterClrMapping/>
-  </p:clrMapOvr>
-</p:sld>
-</file>
-
-<file path=ppt/slides/slide15.xml><?xml version="1.0" encoding="utf-8"?>
-<p:sld xmlns:a="http://schemas.openxmlformats.org/drawingml/2006/main" xmlns:r="http://schemas.openxmlformats.org/officeDocument/2006/relationships" xmlns:mc="http://schemas.openxmlformats.org/markup-compatibility/2006" xmlns:mv="urn:schemas-microsoft-com:mac:vml" xmlns:p="http://schemas.openxmlformats.org/presentationml/2006/main" xmlns:c="http://schemas.openxmlformats.org/drawingml/2006/chart" xmlns:dgm="http://schemas.openxmlformats.org/drawingml/2006/diagram" xmlns:o="urn:schemas-microsoft-com:office:office" xmlns:v="urn:schemas-microsoft-com:vml" xmlns:pvml="urn:schemas-microsoft-com:office:powerpoint" xmlns:com="http://schemas.openxmlformats.org/drawingml/2006/compatibility" xmlns:p14="http://schemas.microsoft.com/office/powerpoint/2010/main" xmlns:p15="http://schemas.microsoft.com/office/powerpoint/2012/main" xmlns:ahyp="http://schemas.microsoft.com/office/drawing/2018/hyperlinkcolor">
-  <p:cSld>
-    <p:spTree>
-      <p:nvGrpSpPr>
-        <p:cNvPr id="124" name="Shape 124"/>
-        <p:cNvGrpSpPr/>
-        <p:nvPr/>
-      </p:nvGrpSpPr>
-      <p:grpSpPr>
-        <a:xfrm>
-          <a:off x="0" y="0"/>
-          <a:ext cx="0" cy="0"/>
-          <a:chOff x="0" y="0"/>
-          <a:chExt cx="0" cy="0"/>
-        </a:xfrm>
-      </p:grpSpPr>
-      <p:pic>
-        <p:nvPicPr>
-          <p:cNvPr id="125" name="Google Shape;125;p27"/>
-          <p:cNvPicPr preferRelativeResize="0"/>
-          <p:nvPr/>
-        </p:nvPicPr>
-        <p:blipFill>
-          <a:blip r:embed="rId3">
-            <a:alphaModFix/>
-          </a:blip>
-          <a:stretch>
-            <a:fillRect/>
-          </a:stretch>
-        </p:blipFill>
-        <p:spPr>
-          <a:xfrm>
-            <a:off x="152400" y="152400"/>
-            <a:ext cx="2351433" cy="5181600"/>
-          </a:xfrm>
-          <a:prstGeom prst="rect">
-            <a:avLst/>
-          </a:prstGeom>
-          <a:noFill/>
-          <a:ln>
-            <a:noFill/>
-          </a:ln>
-        </p:spPr>
-      </p:pic>
-    </p:spTree>
-  </p:cSld>
-  <p:clrMapOvr>
-    <a:masterClrMapping/>
-  </p:clrMapOvr>
-</p:sld>
-</file>
-
-<file path=ppt/slides/slide16.xml><?xml version="1.0" encoding="utf-8"?>
-<p:sld xmlns:a="http://schemas.openxmlformats.org/drawingml/2006/main" xmlns:r="http://schemas.openxmlformats.org/officeDocument/2006/relationships" xmlns:mc="http://schemas.openxmlformats.org/markup-compatibility/2006" xmlns:mv="urn:schemas-microsoft-com:mac:vml" xmlns:p="http://schemas.openxmlformats.org/presentationml/2006/main" xmlns:c="http://schemas.openxmlformats.org/drawingml/2006/chart" xmlns:dgm="http://schemas.openxmlformats.org/drawingml/2006/diagram" xmlns:o="urn:schemas-microsoft-com:office:office" xmlns:v="urn:schemas-microsoft-com:vml" xmlns:pvml="urn:schemas-microsoft-com:office:powerpoint" xmlns:com="http://schemas.openxmlformats.org/drawingml/2006/compatibility" xmlns:p14="http://schemas.microsoft.com/office/powerpoint/2010/main" xmlns:p15="http://schemas.microsoft.com/office/powerpoint/2012/main" xmlns:ahyp="http://schemas.microsoft.com/office/drawing/2018/hyperlinkcolor">
-  <p:cSld>
-    <p:spTree>
-      <p:nvGrpSpPr>
-        <p:cNvPr id="129" name="Shape 129"/>
-        <p:cNvGrpSpPr/>
-        <p:nvPr/>
-      </p:nvGrpSpPr>
-      <p:grpSpPr>
-        <a:xfrm>
-          <a:off x="0" y="0"/>
-          <a:ext cx="0" cy="0"/>
-          <a:chOff x="0" y="0"/>
-          <a:chExt cx="0" cy="0"/>
-        </a:xfrm>
-      </p:grpSpPr>
-      <p:pic>
-        <p:nvPicPr>
-          <p:cNvPr id="130" name="Google Shape;130;p28"/>
-          <p:cNvPicPr preferRelativeResize="0"/>
-          <p:nvPr/>
-        </p:nvPicPr>
-        <p:blipFill>
-          <a:blip r:embed="rId3">
-            <a:alphaModFix/>
-          </a:blip>
-          <a:stretch>
-            <a:fillRect/>
-          </a:stretch>
-        </p:blipFill>
-        <p:spPr>
-          <a:xfrm>
-            <a:off x="152400" y="152400"/>
-            <a:ext cx="2351433" cy="5181600"/>
-          </a:xfrm>
-          <a:prstGeom prst="rect">
-            <a:avLst/>
-          </a:prstGeom>
-          <a:noFill/>
-          <a:ln>
-            <a:noFill/>
-          </a:ln>
-        </p:spPr>
-      </p:pic>
-    </p:spTree>
-  </p:cSld>
-  <p:clrMapOvr>
-    <a:masterClrMapping/>
-  </p:clrMapOvr>
-</p:sld>
-</file>
-
-<file path=ppt/slides/slide17.xml><?xml version="1.0" encoding="utf-8"?>
-<p:sld xmlns:a="http://schemas.openxmlformats.org/drawingml/2006/main" xmlns:r="http://schemas.openxmlformats.org/officeDocument/2006/relationships" xmlns:mc="http://schemas.openxmlformats.org/markup-compatibility/2006" xmlns:mv="urn:schemas-microsoft-com:mac:vml" xmlns:p="http://schemas.openxmlformats.org/presentationml/2006/main" xmlns:c="http://schemas.openxmlformats.org/drawingml/2006/chart" xmlns:dgm="http://schemas.openxmlformats.org/drawingml/2006/diagram" xmlns:o="urn:schemas-microsoft-com:office:office" xmlns:v="urn:schemas-microsoft-com:vml" xmlns:pvml="urn:schemas-microsoft-com:office:powerpoint" xmlns:com="http://schemas.openxmlformats.org/drawingml/2006/compatibility" xmlns:p14="http://schemas.microsoft.com/office/powerpoint/2010/main" xmlns:p15="http://schemas.microsoft.com/office/powerpoint/2012/main" xmlns:ahyp="http://schemas.microsoft.com/office/drawing/2018/hyperlinkcolor">
-  <p:cSld>
-    <p:spTree>
-      <p:nvGrpSpPr>
-        <p:cNvPr id="134" name="Shape 134"/>
-        <p:cNvGrpSpPr/>
-        <p:nvPr/>
-      </p:nvGrpSpPr>
-      <p:grpSpPr>
-        <a:xfrm>
-          <a:off x="0" y="0"/>
-          <a:ext cx="0" cy="0"/>
-          <a:chOff x="0" y="0"/>
-          <a:chExt cx="0" cy="0"/>
-        </a:xfrm>
-      </p:grpSpPr>
-      <p:pic>
-        <p:nvPicPr>
-          <p:cNvPr id="135" name="Google Shape;135;p29"/>
-          <p:cNvPicPr preferRelativeResize="0"/>
-          <p:nvPr/>
-        </p:nvPicPr>
-        <p:blipFill>
-          <a:blip r:embed="rId3">
-            <a:alphaModFix/>
-          </a:blip>
-          <a:stretch>
-            <a:fillRect/>
-          </a:stretch>
-        </p:blipFill>
-        <p:spPr>
-          <a:xfrm>
-            <a:off x="152400" y="152400"/>
-            <a:ext cx="2383787" cy="5181599"/>
-          </a:xfrm>
-          <a:prstGeom prst="rect">
-            <a:avLst/>
-          </a:prstGeom>
-          <a:noFill/>
-          <a:ln>
-            <a:noFill/>
-          </a:ln>
-        </p:spPr>
-      </p:pic>
-    </p:spTree>
-  </p:cSld>
-  <p:clrMapOvr>
-    <a:masterClrMapping/>
-  </p:clrMapOvr>
-</p:sld>
-</file>
-
-<file path=ppt/slides/slide18.xml><?xml version="1.0" encoding="utf-8"?>
-<p:sld xmlns:a="http://schemas.openxmlformats.org/drawingml/2006/main" xmlns:r="http://schemas.openxmlformats.org/officeDocument/2006/relationships" xmlns:mc="http://schemas.openxmlformats.org/markup-compatibility/2006" xmlns:mv="urn:schemas-microsoft-com:mac:vml" xmlns:p="http://schemas.openxmlformats.org/presentationml/2006/main" xmlns:c="http://schemas.openxmlformats.org/drawingml/2006/chart" xmlns:dgm="http://schemas.openxmlformats.org/drawingml/2006/diagram" xmlns:o="urn:schemas-microsoft-com:office:office" xmlns:v="urn:schemas-microsoft-com:vml" xmlns:pvml="urn:schemas-microsoft-com:office:powerpoint" xmlns:com="http://schemas.openxmlformats.org/drawingml/2006/compatibility" xmlns:p14="http://schemas.microsoft.com/office/powerpoint/2010/main" xmlns:p15="http://schemas.microsoft.com/office/powerpoint/2012/main" xmlns:ahyp="http://schemas.microsoft.com/office/drawing/2018/hyperlinkcolor">
-  <p:cSld>
-    <p:spTree>
-      <p:nvGrpSpPr>
-        <p:cNvPr id="139" name="Shape 139"/>
-        <p:cNvGrpSpPr/>
-        <p:nvPr/>
-      </p:nvGrpSpPr>
-      <p:grpSpPr>
-        <a:xfrm>
-          <a:off x="0" y="0"/>
-          <a:ext cx="0" cy="0"/>
-          <a:chOff x="0" y="0"/>
-          <a:chExt cx="0" cy="0"/>
-        </a:xfrm>
-      </p:grpSpPr>
-      <p:pic>
-        <p:nvPicPr>
-          <p:cNvPr id="140" name="Google Shape;140;p30"/>
-          <p:cNvPicPr preferRelativeResize="0"/>
-          <p:nvPr/>
-        </p:nvPicPr>
-        <p:blipFill>
-          <a:blip r:embed="rId3">
-            <a:alphaModFix/>
-          </a:blip>
-          <a:stretch>
-            <a:fillRect/>
-          </a:stretch>
-        </p:blipFill>
-        <p:spPr>
-          <a:xfrm>
-            <a:off x="109595" y="102650"/>
-            <a:ext cx="2524009" cy="5486399"/>
-          </a:xfrm>
-          <a:prstGeom prst="rect">
-            <a:avLst/>
-          </a:prstGeom>
-          <a:noFill/>
-          <a:ln>
-            <a:noFill/>
-          </a:ln>
-        </p:spPr>
-      </p:pic>
-    </p:spTree>
-  </p:cSld>
-  <p:clrMapOvr>
-    <a:masterClrMapping/>
-  </p:clrMapOvr>
-</p:sld>
-</file>
-
-<file path=ppt/slides/slide19.xml><?xml version="1.0" encoding="utf-8"?>
-<p:sld xmlns:a="http://schemas.openxmlformats.org/drawingml/2006/main" xmlns:r="http://schemas.openxmlformats.org/officeDocument/2006/relationships" xmlns:mc="http://schemas.openxmlformats.org/markup-compatibility/2006" xmlns:mv="urn:schemas-microsoft-com:mac:vml" xmlns:p="http://schemas.openxmlformats.org/presentationml/2006/main" xmlns:c="http://schemas.openxmlformats.org/drawingml/2006/chart" xmlns:dgm="http://schemas.openxmlformats.org/drawingml/2006/diagram" xmlns:o="urn:schemas-microsoft-com:office:office" xmlns:v="urn:schemas-microsoft-com:vml" xmlns:pvml="urn:schemas-microsoft-com:office:powerpoint" xmlns:com="http://schemas.openxmlformats.org/drawingml/2006/compatibility" xmlns:p14="http://schemas.microsoft.com/office/powerpoint/2010/main" xmlns:p15="http://schemas.microsoft.com/office/powerpoint/2012/main" xmlns:ahyp="http://schemas.microsoft.com/office/drawing/2018/hyperlinkcolor">
-  <p:cSld>
-    <p:spTree>
-      <p:nvGrpSpPr>
-        <p:cNvPr id="144" name="Shape 144"/>
-        <p:cNvGrpSpPr/>
-        <p:nvPr/>
-      </p:nvGrpSpPr>
-      <p:grpSpPr>
-        <a:xfrm>
-          <a:off x="0" y="0"/>
-          <a:ext cx="0" cy="0"/>
-          <a:chOff x="0" y="0"/>
-          <a:chExt cx="0" cy="0"/>
-        </a:xfrm>
-      </p:grpSpPr>
-      <p:sp>
-        <p:nvSpPr>
-          <p:cNvPr id="145" name="Google Shape;145;p31"/>
-          <p:cNvSpPr txBox="1"/>
-          <p:nvPr>
-            <p:ph type="title"/>
-          </p:nvPr>
-        </p:nvSpPr>
-        <p:spPr>
-          <a:xfrm>
-            <a:off x="93450" y="853703"/>
-            <a:ext cx="2556300" cy="873900"/>
-          </a:xfrm>
-          <a:prstGeom prst="rect">
-            <a:avLst/>
-          </a:prstGeom>
-        </p:spPr>
-        <p:txBody>
-          <a:bodyPr anchorCtr="0" anchor="t" bIns="91425" lIns="91425" spcFirstLastPara="1" rIns="91425" wrap="square" tIns="91425">
-            <a:normAutofit/>
-          </a:bodyPr>
-          <a:lstStyle/>
-          <a:p>
-            <a:pPr indent="0" lvl="0" marL="0" rtl="0" algn="l">
-              <a:spcBef>
-                <a:spcPts val="0"/>
-              </a:spcBef>
-              <a:spcAft>
-                <a:spcPts val="0"/>
-              </a:spcAft>
-              <a:buNone/>
-            </a:pPr>
-            <a:r>
-              <a:rPr lang="en" sz="1800"/>
-              <a:t>User Task 2: </a:t>
-            </a:r>
-            <a:r>
-              <a:rPr lang="en" sz="1800"/>
-              <a:t>Alex Singh’s Perspective</a:t>
-            </a:r>
-            <a:endParaRPr sz="1800"/>
-          </a:p>
-        </p:txBody>
-      </p:sp>
     </p:spTree>
   </p:cSld>
   <p:clrMapOvr>
@@ -10248,59 +8597,6 @@
   <p:cSld>
     <p:spTree>
       <p:nvGrpSpPr>
-        <p:cNvPr id="149" name="Shape 149"/>
-        <p:cNvGrpSpPr/>
-        <p:nvPr/>
-      </p:nvGrpSpPr>
-      <p:grpSpPr>
-        <a:xfrm>
-          <a:off x="0" y="0"/>
-          <a:ext cx="0" cy="0"/>
-          <a:chOff x="0" y="0"/>
-          <a:chExt cx="0" cy="0"/>
-        </a:xfrm>
-      </p:grpSpPr>
-      <p:pic>
-        <p:nvPicPr>
-          <p:cNvPr id="150" name="Google Shape;150;p32"/>
-          <p:cNvPicPr preferRelativeResize="0"/>
-          <p:nvPr/>
-        </p:nvPicPr>
-        <p:blipFill>
-          <a:blip r:embed="rId3">
-            <a:alphaModFix/>
-          </a:blip>
-          <a:stretch>
-            <a:fillRect/>
-          </a:stretch>
-        </p:blipFill>
-        <p:spPr>
-          <a:xfrm>
-            <a:off x="122464" y="159700"/>
-            <a:ext cx="2498272" cy="5486401"/>
-          </a:xfrm>
-          <a:prstGeom prst="rect">
-            <a:avLst/>
-          </a:prstGeom>
-          <a:noFill/>
-          <a:ln>
-            <a:noFill/>
-          </a:ln>
-        </p:spPr>
-      </p:pic>
-    </p:spTree>
-  </p:cSld>
-  <p:clrMapOvr>
-    <a:masterClrMapping/>
-  </p:clrMapOvr>
-</p:sld>
-</file>
-
-<file path=ppt/slides/slide21.xml><?xml version="1.0" encoding="utf-8"?>
-<p:sld xmlns:a="http://schemas.openxmlformats.org/drawingml/2006/main" xmlns:r="http://schemas.openxmlformats.org/officeDocument/2006/relationships" xmlns:mc="http://schemas.openxmlformats.org/markup-compatibility/2006" xmlns:mv="urn:schemas-microsoft-com:mac:vml" xmlns:p="http://schemas.openxmlformats.org/presentationml/2006/main" xmlns:c="http://schemas.openxmlformats.org/drawingml/2006/chart" xmlns:dgm="http://schemas.openxmlformats.org/drawingml/2006/diagram" xmlns:o="urn:schemas-microsoft-com:office:office" xmlns:v="urn:schemas-microsoft-com:vml" xmlns:pvml="urn:schemas-microsoft-com:office:powerpoint" xmlns:com="http://schemas.openxmlformats.org/drawingml/2006/compatibility" xmlns:p14="http://schemas.microsoft.com/office/powerpoint/2010/main" xmlns:p15="http://schemas.microsoft.com/office/powerpoint/2012/main" xmlns:ahyp="http://schemas.microsoft.com/office/drawing/2018/hyperlinkcolor">
-  <p:cSld>
-    <p:spTree>
-      <p:nvGrpSpPr>
         <p:cNvPr id="154" name="Shape 154"/>
         <p:cNvGrpSpPr/>
         <p:nvPr/>
@@ -10315,7 +8611,7 @@
       </p:grpSpPr>
       <p:pic>
         <p:nvPicPr>
-          <p:cNvPr id="155" name="Google Shape;155;p33"/>
+          <p:cNvPr id="155" name="Google Shape;155;p32"/>
           <p:cNvPicPr preferRelativeResize="0"/>
           <p:nvPr/>
         </p:nvPicPr>
@@ -10329,8 +8625,8 @@
         </p:blipFill>
         <p:spPr>
           <a:xfrm>
-            <a:off x="122464" y="0"/>
-            <a:ext cx="2498272" cy="5486401"/>
+            <a:off x="152400" y="152400"/>
+            <a:ext cx="2323220" cy="5181600"/>
           </a:xfrm>
           <a:prstGeom prst="rect">
             <a:avLst/>
@@ -10349,7 +8645,7 @@
 </p:sld>
 </file>
 
-<file path=ppt/slides/slide22.xml><?xml version="1.0" encoding="utf-8"?>
+<file path=ppt/slides/slide21.xml><?xml version="1.0" encoding="utf-8"?>
 <p:sld xmlns:a="http://schemas.openxmlformats.org/drawingml/2006/main" xmlns:r="http://schemas.openxmlformats.org/officeDocument/2006/relationships" xmlns:mc="http://schemas.openxmlformats.org/markup-compatibility/2006" xmlns:mv="urn:schemas-microsoft-com:mac:vml" xmlns:p="http://schemas.openxmlformats.org/presentationml/2006/main" xmlns:c="http://schemas.openxmlformats.org/drawingml/2006/chart" xmlns:dgm="http://schemas.openxmlformats.org/drawingml/2006/diagram" xmlns:o="urn:schemas-microsoft-com:office:office" xmlns:v="urn:schemas-microsoft-com:vml" xmlns:pvml="urn:schemas-microsoft-com:office:powerpoint" xmlns:com="http://schemas.openxmlformats.org/drawingml/2006/compatibility" xmlns:p14="http://schemas.microsoft.com/office/powerpoint/2010/main" xmlns:p15="http://schemas.microsoft.com/office/powerpoint/2012/main" xmlns:ahyp="http://schemas.microsoft.com/office/drawing/2018/hyperlinkcolor">
   <p:cSld>
     <p:spTree>
@@ -10368,7 +8664,7 @@
       </p:grpSpPr>
       <p:pic>
         <p:nvPicPr>
-          <p:cNvPr id="160" name="Google Shape;160;p34"/>
+          <p:cNvPr id="160" name="Google Shape;160;p33"/>
           <p:cNvPicPr preferRelativeResize="0"/>
           <p:nvPr/>
         </p:nvPicPr>
@@ -10382,8 +8678,8 @@
         </p:blipFill>
         <p:spPr>
           <a:xfrm>
-            <a:off x="122464" y="0"/>
-            <a:ext cx="2498272" cy="5486401"/>
+            <a:off x="152400" y="152400"/>
+            <a:ext cx="2323220" cy="5181600"/>
           </a:xfrm>
           <a:prstGeom prst="rect">
             <a:avLst/>
@@ -10394,496 +8690,6 @@
           </a:ln>
         </p:spPr>
       </p:pic>
-    </p:spTree>
-  </p:cSld>
-  <p:clrMapOvr>
-    <a:masterClrMapping/>
-  </p:clrMapOvr>
-</p:sld>
-</file>
-
-<file path=ppt/slides/slide23.xml><?xml version="1.0" encoding="utf-8"?>
-<p:sld xmlns:a="http://schemas.openxmlformats.org/drawingml/2006/main" xmlns:r="http://schemas.openxmlformats.org/officeDocument/2006/relationships" xmlns:mc="http://schemas.openxmlformats.org/markup-compatibility/2006" xmlns:mv="urn:schemas-microsoft-com:mac:vml" xmlns:p="http://schemas.openxmlformats.org/presentationml/2006/main" xmlns:c="http://schemas.openxmlformats.org/drawingml/2006/chart" xmlns:dgm="http://schemas.openxmlformats.org/drawingml/2006/diagram" xmlns:o="urn:schemas-microsoft-com:office:office" xmlns:v="urn:schemas-microsoft-com:vml" xmlns:pvml="urn:schemas-microsoft-com:office:powerpoint" xmlns:com="http://schemas.openxmlformats.org/drawingml/2006/compatibility" xmlns:p14="http://schemas.microsoft.com/office/powerpoint/2010/main" xmlns:p15="http://schemas.microsoft.com/office/powerpoint/2012/main" xmlns:ahyp="http://schemas.microsoft.com/office/drawing/2018/hyperlinkcolor">
-  <p:cSld>
-    <p:spTree>
-      <p:nvGrpSpPr>
-        <p:cNvPr id="164" name="Shape 164"/>
-        <p:cNvGrpSpPr/>
-        <p:nvPr/>
-      </p:nvGrpSpPr>
-      <p:grpSpPr>
-        <a:xfrm>
-          <a:off x="0" y="0"/>
-          <a:ext cx="0" cy="0"/>
-          <a:chOff x="0" y="0"/>
-          <a:chExt cx="0" cy="0"/>
-        </a:xfrm>
-      </p:grpSpPr>
-      <p:pic>
-        <p:nvPicPr>
-          <p:cNvPr id="165" name="Google Shape;165;p35"/>
-          <p:cNvPicPr preferRelativeResize="0"/>
-          <p:nvPr/>
-        </p:nvPicPr>
-        <p:blipFill>
-          <a:blip r:embed="rId3">
-            <a:alphaModFix/>
-          </a:blip>
-          <a:stretch>
-            <a:fillRect/>
-          </a:stretch>
-        </p:blipFill>
-        <p:spPr>
-          <a:xfrm>
-            <a:off x="122464" y="0"/>
-            <a:ext cx="2498272" cy="5486401"/>
-          </a:xfrm>
-          <a:prstGeom prst="rect">
-            <a:avLst/>
-          </a:prstGeom>
-          <a:noFill/>
-          <a:ln>
-            <a:noFill/>
-          </a:ln>
-        </p:spPr>
-      </p:pic>
-    </p:spTree>
-  </p:cSld>
-  <p:clrMapOvr>
-    <a:masterClrMapping/>
-  </p:clrMapOvr>
-</p:sld>
-</file>
-
-<file path=ppt/slides/slide24.xml><?xml version="1.0" encoding="utf-8"?>
-<p:sld xmlns:a="http://schemas.openxmlformats.org/drawingml/2006/main" xmlns:r="http://schemas.openxmlformats.org/officeDocument/2006/relationships" xmlns:mc="http://schemas.openxmlformats.org/markup-compatibility/2006" xmlns:mv="urn:schemas-microsoft-com:mac:vml" xmlns:p="http://schemas.openxmlformats.org/presentationml/2006/main" xmlns:c="http://schemas.openxmlformats.org/drawingml/2006/chart" xmlns:dgm="http://schemas.openxmlformats.org/drawingml/2006/diagram" xmlns:o="urn:schemas-microsoft-com:office:office" xmlns:v="urn:schemas-microsoft-com:vml" xmlns:pvml="urn:schemas-microsoft-com:office:powerpoint" xmlns:com="http://schemas.openxmlformats.org/drawingml/2006/compatibility" xmlns:p14="http://schemas.microsoft.com/office/powerpoint/2010/main" xmlns:p15="http://schemas.microsoft.com/office/powerpoint/2012/main" xmlns:ahyp="http://schemas.microsoft.com/office/drawing/2018/hyperlinkcolor">
-  <p:cSld>
-    <p:spTree>
-      <p:nvGrpSpPr>
-        <p:cNvPr id="169" name="Shape 169"/>
-        <p:cNvGrpSpPr/>
-        <p:nvPr/>
-      </p:nvGrpSpPr>
-      <p:grpSpPr>
-        <a:xfrm>
-          <a:off x="0" y="0"/>
-          <a:ext cx="0" cy="0"/>
-          <a:chOff x="0" y="0"/>
-          <a:chExt cx="0" cy="0"/>
-        </a:xfrm>
-      </p:grpSpPr>
-      <p:pic>
-        <p:nvPicPr>
-          <p:cNvPr id="170" name="Google Shape;170;p36"/>
-          <p:cNvPicPr preferRelativeResize="0"/>
-          <p:nvPr/>
-        </p:nvPicPr>
-        <p:blipFill>
-          <a:blip r:embed="rId3">
-            <a:alphaModFix/>
-          </a:blip>
-          <a:stretch>
-            <a:fillRect/>
-          </a:stretch>
-        </p:blipFill>
-        <p:spPr>
-          <a:xfrm>
-            <a:off x="143944" y="0"/>
-            <a:ext cx="2455313" cy="5486401"/>
-          </a:xfrm>
-          <a:prstGeom prst="rect">
-            <a:avLst/>
-          </a:prstGeom>
-          <a:noFill/>
-          <a:ln>
-            <a:noFill/>
-          </a:ln>
-        </p:spPr>
-      </p:pic>
-    </p:spTree>
-  </p:cSld>
-  <p:clrMapOvr>
-    <a:masterClrMapping/>
-  </p:clrMapOvr>
-</p:sld>
-</file>
-
-<file path=ppt/slides/slide25.xml><?xml version="1.0" encoding="utf-8"?>
-<p:sld xmlns:a="http://schemas.openxmlformats.org/drawingml/2006/main" xmlns:r="http://schemas.openxmlformats.org/officeDocument/2006/relationships" xmlns:mc="http://schemas.openxmlformats.org/markup-compatibility/2006" xmlns:mv="urn:schemas-microsoft-com:mac:vml" xmlns:p="http://schemas.openxmlformats.org/presentationml/2006/main" xmlns:c="http://schemas.openxmlformats.org/drawingml/2006/chart" xmlns:dgm="http://schemas.openxmlformats.org/drawingml/2006/diagram" xmlns:o="urn:schemas-microsoft-com:office:office" xmlns:v="urn:schemas-microsoft-com:vml" xmlns:pvml="urn:schemas-microsoft-com:office:powerpoint" xmlns:com="http://schemas.openxmlformats.org/drawingml/2006/compatibility" xmlns:p14="http://schemas.microsoft.com/office/powerpoint/2010/main" xmlns:p15="http://schemas.microsoft.com/office/powerpoint/2012/main" xmlns:ahyp="http://schemas.microsoft.com/office/drawing/2018/hyperlinkcolor">
-  <p:cSld>
-    <p:spTree>
-      <p:nvGrpSpPr>
-        <p:cNvPr id="174" name="Shape 174"/>
-        <p:cNvGrpSpPr/>
-        <p:nvPr/>
-      </p:nvGrpSpPr>
-      <p:grpSpPr>
-        <a:xfrm>
-          <a:off x="0" y="0"/>
-          <a:ext cx="0" cy="0"/>
-          <a:chOff x="0" y="0"/>
-          <a:chExt cx="0" cy="0"/>
-        </a:xfrm>
-      </p:grpSpPr>
-      <p:pic>
-        <p:nvPicPr>
-          <p:cNvPr id="175" name="Google Shape;175;p37"/>
-          <p:cNvPicPr preferRelativeResize="0"/>
-          <p:nvPr/>
-        </p:nvPicPr>
-        <p:blipFill>
-          <a:blip r:embed="rId3">
-            <a:alphaModFix/>
-          </a:blip>
-          <a:stretch>
-            <a:fillRect/>
-          </a:stretch>
-        </p:blipFill>
-        <p:spPr>
-          <a:xfrm>
-            <a:off x="143944" y="0"/>
-            <a:ext cx="2455313" cy="5486401"/>
-          </a:xfrm>
-          <a:prstGeom prst="rect">
-            <a:avLst/>
-          </a:prstGeom>
-          <a:noFill/>
-          <a:ln>
-            <a:noFill/>
-          </a:ln>
-        </p:spPr>
-      </p:pic>
-    </p:spTree>
-  </p:cSld>
-  <p:clrMapOvr>
-    <a:masterClrMapping/>
-  </p:clrMapOvr>
-</p:sld>
-</file>
-
-<file path=ppt/slides/slide26.xml><?xml version="1.0" encoding="utf-8"?>
-<p:sld xmlns:a="http://schemas.openxmlformats.org/drawingml/2006/main" xmlns:r="http://schemas.openxmlformats.org/officeDocument/2006/relationships" xmlns:mc="http://schemas.openxmlformats.org/markup-compatibility/2006" xmlns:mv="urn:schemas-microsoft-com:mac:vml" xmlns:p="http://schemas.openxmlformats.org/presentationml/2006/main" xmlns:c="http://schemas.openxmlformats.org/drawingml/2006/chart" xmlns:dgm="http://schemas.openxmlformats.org/drawingml/2006/diagram" xmlns:o="urn:schemas-microsoft-com:office:office" xmlns:v="urn:schemas-microsoft-com:vml" xmlns:pvml="urn:schemas-microsoft-com:office:powerpoint" xmlns:com="http://schemas.openxmlformats.org/drawingml/2006/compatibility" xmlns:p14="http://schemas.microsoft.com/office/powerpoint/2010/main" xmlns:p15="http://schemas.microsoft.com/office/powerpoint/2012/main" xmlns:ahyp="http://schemas.microsoft.com/office/drawing/2018/hyperlinkcolor">
-  <p:cSld>
-    <p:spTree>
-      <p:nvGrpSpPr>
-        <p:cNvPr id="179" name="Shape 179"/>
-        <p:cNvGrpSpPr/>
-        <p:nvPr/>
-      </p:nvGrpSpPr>
-      <p:grpSpPr>
-        <a:xfrm>
-          <a:off x="0" y="0"/>
-          <a:ext cx="0" cy="0"/>
-          <a:chOff x="0" y="0"/>
-          <a:chExt cx="0" cy="0"/>
-        </a:xfrm>
-      </p:grpSpPr>
-      <p:pic>
-        <p:nvPicPr>
-          <p:cNvPr id="180" name="Google Shape;180;p38"/>
-          <p:cNvPicPr preferRelativeResize="0"/>
-          <p:nvPr/>
-        </p:nvPicPr>
-        <p:blipFill>
-          <a:blip r:embed="rId3">
-            <a:alphaModFix/>
-          </a:blip>
-          <a:stretch>
-            <a:fillRect/>
-          </a:stretch>
-        </p:blipFill>
-        <p:spPr>
-          <a:xfrm>
-            <a:off x="143944" y="0"/>
-            <a:ext cx="2455313" cy="5486401"/>
-          </a:xfrm>
-          <a:prstGeom prst="rect">
-            <a:avLst/>
-          </a:prstGeom>
-          <a:noFill/>
-          <a:ln>
-            <a:noFill/>
-          </a:ln>
-        </p:spPr>
-      </p:pic>
-    </p:spTree>
-  </p:cSld>
-  <p:clrMapOvr>
-    <a:masterClrMapping/>
-  </p:clrMapOvr>
-</p:sld>
-</file>
-
-<file path=ppt/slides/slide27.xml><?xml version="1.0" encoding="utf-8"?>
-<p:sld xmlns:a="http://schemas.openxmlformats.org/drawingml/2006/main" xmlns:r="http://schemas.openxmlformats.org/officeDocument/2006/relationships" xmlns:mc="http://schemas.openxmlformats.org/markup-compatibility/2006" xmlns:mv="urn:schemas-microsoft-com:mac:vml" xmlns:p="http://schemas.openxmlformats.org/presentationml/2006/main" xmlns:c="http://schemas.openxmlformats.org/drawingml/2006/chart" xmlns:dgm="http://schemas.openxmlformats.org/drawingml/2006/diagram" xmlns:o="urn:schemas-microsoft-com:office:office" xmlns:v="urn:schemas-microsoft-com:vml" xmlns:pvml="urn:schemas-microsoft-com:office:powerpoint" xmlns:com="http://schemas.openxmlformats.org/drawingml/2006/compatibility" xmlns:p14="http://schemas.microsoft.com/office/powerpoint/2010/main" xmlns:p15="http://schemas.microsoft.com/office/powerpoint/2012/main" xmlns:ahyp="http://schemas.microsoft.com/office/drawing/2018/hyperlinkcolor">
-  <p:cSld>
-    <p:spTree>
-      <p:nvGrpSpPr>
-        <p:cNvPr id="184" name="Shape 184"/>
-        <p:cNvGrpSpPr/>
-        <p:nvPr/>
-      </p:nvGrpSpPr>
-      <p:grpSpPr>
-        <a:xfrm>
-          <a:off x="0" y="0"/>
-          <a:ext cx="0" cy="0"/>
-          <a:chOff x="0" y="0"/>
-          <a:chExt cx="0" cy="0"/>
-        </a:xfrm>
-      </p:grpSpPr>
-      <p:pic>
-        <p:nvPicPr>
-          <p:cNvPr id="185" name="Google Shape;185;p39"/>
-          <p:cNvPicPr preferRelativeResize="0"/>
-          <p:nvPr/>
-        </p:nvPicPr>
-        <p:blipFill>
-          <a:blip r:embed="rId3">
-            <a:alphaModFix/>
-          </a:blip>
-          <a:stretch>
-            <a:fillRect/>
-          </a:stretch>
-        </p:blipFill>
-        <p:spPr>
-          <a:xfrm>
-            <a:off x="147467" y="136875"/>
-            <a:ext cx="2448267" cy="5486401"/>
-          </a:xfrm>
-          <a:prstGeom prst="rect">
-            <a:avLst/>
-          </a:prstGeom>
-          <a:noFill/>
-          <a:ln>
-            <a:noFill/>
-          </a:ln>
-        </p:spPr>
-      </p:pic>
-    </p:spTree>
-  </p:cSld>
-  <p:clrMapOvr>
-    <a:masterClrMapping/>
-  </p:clrMapOvr>
-</p:sld>
-</file>
-
-<file path=ppt/slides/slide28.xml><?xml version="1.0" encoding="utf-8"?>
-<p:sld xmlns:a="http://schemas.openxmlformats.org/drawingml/2006/main" xmlns:r="http://schemas.openxmlformats.org/officeDocument/2006/relationships" xmlns:mc="http://schemas.openxmlformats.org/markup-compatibility/2006" xmlns:mv="urn:schemas-microsoft-com:mac:vml" xmlns:p="http://schemas.openxmlformats.org/presentationml/2006/main" xmlns:c="http://schemas.openxmlformats.org/drawingml/2006/chart" xmlns:dgm="http://schemas.openxmlformats.org/drawingml/2006/diagram" xmlns:o="urn:schemas-microsoft-com:office:office" xmlns:v="urn:schemas-microsoft-com:vml" xmlns:pvml="urn:schemas-microsoft-com:office:powerpoint" xmlns:com="http://schemas.openxmlformats.org/drawingml/2006/compatibility" xmlns:p14="http://schemas.microsoft.com/office/powerpoint/2010/main" xmlns:p15="http://schemas.microsoft.com/office/powerpoint/2012/main" xmlns:ahyp="http://schemas.microsoft.com/office/drawing/2018/hyperlinkcolor">
-  <p:cSld>
-    <p:spTree>
-      <p:nvGrpSpPr>
-        <p:cNvPr id="189" name="Shape 189"/>
-        <p:cNvGrpSpPr/>
-        <p:nvPr/>
-      </p:nvGrpSpPr>
-      <p:grpSpPr>
-        <a:xfrm>
-          <a:off x="0" y="0"/>
-          <a:ext cx="0" cy="0"/>
-          <a:chOff x="0" y="0"/>
-          <a:chExt cx="0" cy="0"/>
-        </a:xfrm>
-      </p:grpSpPr>
-      <p:pic>
-        <p:nvPicPr>
-          <p:cNvPr id="190" name="Google Shape;190;p40"/>
-          <p:cNvPicPr preferRelativeResize="0"/>
-          <p:nvPr/>
-        </p:nvPicPr>
-        <p:blipFill>
-          <a:blip r:embed="rId3">
-            <a:alphaModFix/>
-          </a:blip>
-          <a:stretch>
-            <a:fillRect/>
-          </a:stretch>
-        </p:blipFill>
-        <p:spPr>
-          <a:xfrm>
-            <a:off x="228688" y="209425"/>
-            <a:ext cx="2285826" cy="5181601"/>
-          </a:xfrm>
-          <a:prstGeom prst="rect">
-            <a:avLst/>
-          </a:prstGeom>
-          <a:noFill/>
-          <a:ln>
-            <a:noFill/>
-          </a:ln>
-        </p:spPr>
-      </p:pic>
-    </p:spTree>
-  </p:cSld>
-  <p:clrMapOvr>
-    <a:masterClrMapping/>
-  </p:clrMapOvr>
-</p:sld>
-</file>
-
-<file path=ppt/slides/slide29.xml><?xml version="1.0" encoding="utf-8"?>
-<p:sld xmlns:a="http://schemas.openxmlformats.org/drawingml/2006/main" xmlns:r="http://schemas.openxmlformats.org/officeDocument/2006/relationships" xmlns:mc="http://schemas.openxmlformats.org/markup-compatibility/2006" xmlns:mv="urn:schemas-microsoft-com:mac:vml" xmlns:p="http://schemas.openxmlformats.org/presentationml/2006/main" xmlns:c="http://schemas.openxmlformats.org/drawingml/2006/chart" xmlns:dgm="http://schemas.openxmlformats.org/drawingml/2006/diagram" xmlns:o="urn:schemas-microsoft-com:office:office" xmlns:v="urn:schemas-microsoft-com:vml" xmlns:pvml="urn:schemas-microsoft-com:office:powerpoint" xmlns:com="http://schemas.openxmlformats.org/drawingml/2006/compatibility" xmlns:p14="http://schemas.microsoft.com/office/powerpoint/2010/main" xmlns:p15="http://schemas.microsoft.com/office/powerpoint/2012/main" xmlns:ahyp="http://schemas.microsoft.com/office/drawing/2018/hyperlinkcolor">
-  <p:cSld>
-    <p:spTree>
-      <p:nvGrpSpPr>
-        <p:cNvPr id="194" name="Shape 194"/>
-        <p:cNvGrpSpPr/>
-        <p:nvPr/>
-      </p:nvGrpSpPr>
-      <p:grpSpPr>
-        <a:xfrm>
-          <a:off x="0" y="0"/>
-          <a:ext cx="0" cy="0"/>
-          <a:chOff x="0" y="0"/>
-          <a:chExt cx="0" cy="0"/>
-        </a:xfrm>
-      </p:grpSpPr>
-      <p:sp>
-        <p:nvSpPr>
-          <p:cNvPr id="195" name="Google Shape;195;p41"/>
-          <p:cNvSpPr txBox="1"/>
-          <p:nvPr>
-            <p:ph type="title"/>
-          </p:nvPr>
-        </p:nvSpPr>
-        <p:spPr>
-          <a:xfrm>
-            <a:off x="93500" y="474699"/>
-            <a:ext cx="2556300" cy="1054200"/>
-          </a:xfrm>
-          <a:prstGeom prst="rect">
-            <a:avLst/>
-          </a:prstGeom>
-        </p:spPr>
-        <p:txBody>
-          <a:bodyPr anchorCtr="0" anchor="t" bIns="91425" lIns="91425" spcFirstLastPara="1" rIns="91425" wrap="square" tIns="91425">
-            <a:noAutofit/>
-          </a:bodyPr>
-          <a:lstStyle/>
-          <a:p>
-            <a:pPr indent="0" lvl="0" marL="0" rtl="0" algn="l">
-              <a:spcBef>
-                <a:spcPts val="0"/>
-              </a:spcBef>
-              <a:spcAft>
-                <a:spcPts val="0"/>
-              </a:spcAft>
-              <a:buClr>
-                <a:schemeClr val="dk1"/>
-              </a:buClr>
-              <a:buSzPts val="1100"/>
-              <a:buFont typeface="Arial"/>
-              <a:buNone/>
-            </a:pPr>
-            <a:r>
-              <a:rPr b="1" lang="en" sz="1600"/>
-              <a:t>User Task 3:</a:t>
-            </a:r>
-            <a:r>
-              <a:rPr lang="en" sz="1600"/>
-              <a:t> Remind a group of tenants to pay an overdue bill and add a late penalty to it.</a:t>
-            </a:r>
-            <a:endParaRPr sz="1600"/>
-          </a:p>
-          <a:p>
-            <a:pPr indent="0" lvl="0" marL="0" rtl="0" algn="l">
-              <a:spcBef>
-                <a:spcPts val="0"/>
-              </a:spcBef>
-              <a:spcAft>
-                <a:spcPts val="0"/>
-              </a:spcAft>
-              <a:buNone/>
-            </a:pPr>
-            <a:r>
-              <a:t/>
-            </a:r>
-            <a:endParaRPr sz="1200"/>
-          </a:p>
-        </p:txBody>
-      </p:sp>
-      <p:sp>
-        <p:nvSpPr>
-          <p:cNvPr id="196" name="Google Shape;196;p41"/>
-          <p:cNvSpPr txBox="1"/>
-          <p:nvPr>
-            <p:ph idx="1" type="body"/>
-          </p:nvPr>
-        </p:nvSpPr>
-        <p:spPr>
-          <a:xfrm>
-            <a:off x="93450" y="2117654"/>
-            <a:ext cx="2556300" cy="1335600"/>
-          </a:xfrm>
-          <a:prstGeom prst="rect">
-            <a:avLst/>
-          </a:prstGeom>
-        </p:spPr>
-        <p:txBody>
-          <a:bodyPr anchorCtr="0" anchor="t" bIns="91425" lIns="91425" spcFirstLastPara="1" rIns="91425" wrap="square" tIns="91425">
-            <a:noAutofit/>
-          </a:bodyPr>
-          <a:lstStyle/>
-          <a:p>
-            <a:pPr indent="0" lvl="0" marL="0" rtl="0" algn="l">
-              <a:lnSpc>
-                <a:spcPct val="95000"/>
-              </a:lnSpc>
-              <a:spcBef>
-                <a:spcPts val="0"/>
-              </a:spcBef>
-              <a:spcAft>
-                <a:spcPts val="0"/>
-              </a:spcAft>
-              <a:buClr>
-                <a:schemeClr val="dk1"/>
-              </a:buClr>
-              <a:buSzPts val="275"/>
-              <a:buFont typeface="Arial"/>
-              <a:buNone/>
-            </a:pPr>
-            <a:r>
-              <a:rPr b="1" lang="en" sz="1225">
-                <a:solidFill>
-                  <a:schemeClr val="dk1"/>
-                </a:solidFill>
-              </a:rPr>
-              <a:t>Persona:</a:t>
-            </a:r>
-            <a:r>
-              <a:rPr lang="en" sz="1225">
-                <a:solidFill>
-                  <a:schemeClr val="dk1"/>
-                </a:solidFill>
-              </a:rPr>
-              <a:t> Trevor Smith, a flat owner, who expects their tenants to pay bills like rent regularly. They always like tenants to be prompt in paying their bills and is strict on penalties.</a:t>
-            </a:r>
-            <a:endParaRPr sz="1225">
-              <a:solidFill>
-                <a:schemeClr val="dk1"/>
-              </a:solidFill>
-            </a:endParaRPr>
-          </a:p>
-          <a:p>
-            <a:pPr indent="0" lvl="0" marL="0" rtl="0" algn="l">
-              <a:lnSpc>
-                <a:spcPct val="95000"/>
-              </a:lnSpc>
-              <a:spcBef>
-                <a:spcPts val="1200"/>
-              </a:spcBef>
-              <a:spcAft>
-                <a:spcPts val="1200"/>
-              </a:spcAft>
-              <a:buSzPts val="275"/>
-              <a:buNone/>
-            </a:pPr>
-            <a:r>
-              <a:t/>
-            </a:r>
-            <a:endParaRPr sz="1225"/>
-          </a:p>
-        </p:txBody>
-      </p:sp>
     </p:spTree>
   </p:cSld>
   <p:clrMapOvr>
@@ -10926,350 +8732,7 @@
         <p:spPr>
           <a:xfrm>
             <a:off x="152400" y="152400"/>
-            <a:ext cx="2293831" cy="5181600"/>
-          </a:xfrm>
-          <a:prstGeom prst="rect">
-            <a:avLst/>
-          </a:prstGeom>
-          <a:noFill/>
-          <a:ln>
-            <a:noFill/>
-          </a:ln>
-        </p:spPr>
-      </p:pic>
-    </p:spTree>
-  </p:cSld>
-  <p:clrMapOvr>
-    <a:masterClrMapping/>
-  </p:clrMapOvr>
-</p:sld>
-</file>
-
-<file path=ppt/slides/slide30.xml><?xml version="1.0" encoding="utf-8"?>
-<p:sld xmlns:a="http://schemas.openxmlformats.org/drawingml/2006/main" xmlns:r="http://schemas.openxmlformats.org/officeDocument/2006/relationships" xmlns:mc="http://schemas.openxmlformats.org/markup-compatibility/2006" xmlns:mv="urn:schemas-microsoft-com:mac:vml" xmlns:p="http://schemas.openxmlformats.org/presentationml/2006/main" xmlns:c="http://schemas.openxmlformats.org/drawingml/2006/chart" xmlns:dgm="http://schemas.openxmlformats.org/drawingml/2006/diagram" xmlns:o="urn:schemas-microsoft-com:office:office" xmlns:v="urn:schemas-microsoft-com:vml" xmlns:pvml="urn:schemas-microsoft-com:office:powerpoint" xmlns:com="http://schemas.openxmlformats.org/drawingml/2006/compatibility" xmlns:p14="http://schemas.microsoft.com/office/powerpoint/2010/main" xmlns:p15="http://schemas.microsoft.com/office/powerpoint/2012/main" xmlns:ahyp="http://schemas.microsoft.com/office/drawing/2018/hyperlinkcolor">
-  <p:cSld>
-    <p:spTree>
-      <p:nvGrpSpPr>
-        <p:cNvPr id="200" name="Shape 200"/>
-        <p:cNvGrpSpPr/>
-        <p:nvPr/>
-      </p:nvGrpSpPr>
-      <p:grpSpPr>
-        <a:xfrm>
-          <a:off x="0" y="0"/>
-          <a:ext cx="0" cy="0"/>
-          <a:chOff x="0" y="0"/>
-          <a:chExt cx="0" cy="0"/>
-        </a:xfrm>
-      </p:grpSpPr>
-      <p:pic>
-        <p:nvPicPr>
-          <p:cNvPr id="201" name="Google Shape;201;p42"/>
-          <p:cNvPicPr preferRelativeResize="0"/>
-          <p:nvPr/>
-        </p:nvPicPr>
-        <p:blipFill>
-          <a:blip r:embed="rId3">
-            <a:alphaModFix/>
-          </a:blip>
-          <a:stretch>
-            <a:fillRect/>
-          </a:stretch>
-        </p:blipFill>
-        <p:spPr>
-          <a:xfrm>
-            <a:off x="152400" y="152400"/>
-            <a:ext cx="2304961" cy="5181600"/>
-          </a:xfrm>
-          <a:prstGeom prst="rect">
-            <a:avLst/>
-          </a:prstGeom>
-          <a:noFill/>
-          <a:ln>
-            <a:noFill/>
-          </a:ln>
-        </p:spPr>
-      </p:pic>
-    </p:spTree>
-  </p:cSld>
-  <p:clrMapOvr>
-    <a:masterClrMapping/>
-  </p:clrMapOvr>
-</p:sld>
-</file>
-
-<file path=ppt/slides/slide31.xml><?xml version="1.0" encoding="utf-8"?>
-<p:sld xmlns:a="http://schemas.openxmlformats.org/drawingml/2006/main" xmlns:r="http://schemas.openxmlformats.org/officeDocument/2006/relationships" xmlns:mc="http://schemas.openxmlformats.org/markup-compatibility/2006" xmlns:mv="urn:schemas-microsoft-com:mac:vml" xmlns:p="http://schemas.openxmlformats.org/presentationml/2006/main" xmlns:c="http://schemas.openxmlformats.org/drawingml/2006/chart" xmlns:dgm="http://schemas.openxmlformats.org/drawingml/2006/diagram" xmlns:o="urn:schemas-microsoft-com:office:office" xmlns:v="urn:schemas-microsoft-com:vml" xmlns:pvml="urn:schemas-microsoft-com:office:powerpoint" xmlns:com="http://schemas.openxmlformats.org/drawingml/2006/compatibility" xmlns:p14="http://schemas.microsoft.com/office/powerpoint/2010/main" xmlns:p15="http://schemas.microsoft.com/office/powerpoint/2012/main" xmlns:ahyp="http://schemas.microsoft.com/office/drawing/2018/hyperlinkcolor">
-  <p:cSld>
-    <p:spTree>
-      <p:nvGrpSpPr>
-        <p:cNvPr id="205" name="Shape 205"/>
-        <p:cNvGrpSpPr/>
-        <p:nvPr/>
-      </p:nvGrpSpPr>
-      <p:grpSpPr>
-        <a:xfrm>
-          <a:off x="0" y="0"/>
-          <a:ext cx="0" cy="0"/>
-          <a:chOff x="0" y="0"/>
-          <a:chExt cx="0" cy="0"/>
-        </a:xfrm>
-      </p:grpSpPr>
-      <p:sp>
-        <p:nvSpPr>
-          <p:cNvPr id="206" name="Google Shape;206;p43"/>
-          <p:cNvSpPr txBox="1"/>
-          <p:nvPr>
-            <p:ph type="title"/>
-          </p:nvPr>
-        </p:nvSpPr>
-        <p:spPr>
-          <a:xfrm>
-            <a:off x="93510" y="474693"/>
-            <a:ext cx="2556300" cy="610800"/>
-          </a:xfrm>
-          <a:prstGeom prst="rect">
-            <a:avLst/>
-          </a:prstGeom>
-        </p:spPr>
-        <p:txBody>
-          <a:bodyPr anchorCtr="0" anchor="t" bIns="91425" lIns="91425" spcFirstLastPara="1" rIns="91425" wrap="square" tIns="91425">
-            <a:normAutofit/>
-          </a:bodyPr>
-          <a:lstStyle/>
-          <a:p>
-            <a:pPr indent="0" lvl="0" marL="0" rtl="0" algn="l">
-              <a:spcBef>
-                <a:spcPts val="0"/>
-              </a:spcBef>
-              <a:spcAft>
-                <a:spcPts val="0"/>
-              </a:spcAft>
-              <a:buNone/>
-            </a:pPr>
-            <a:r>
-              <a:t/>
-            </a:r>
-            <a:endParaRPr/>
-          </a:p>
-        </p:txBody>
-      </p:sp>
-      <p:sp>
-        <p:nvSpPr>
-          <p:cNvPr id="207" name="Google Shape;207;p43"/>
-          <p:cNvSpPr txBox="1"/>
-          <p:nvPr>
-            <p:ph idx="1" type="body"/>
-          </p:nvPr>
-        </p:nvSpPr>
-        <p:spPr>
-          <a:xfrm>
-            <a:off x="93510" y="1229307"/>
-            <a:ext cx="2556300" cy="3644100"/>
-          </a:xfrm>
-          <a:prstGeom prst="rect">
-            <a:avLst/>
-          </a:prstGeom>
-        </p:spPr>
-        <p:txBody>
-          <a:bodyPr anchorCtr="0" anchor="t" bIns="91425" lIns="91425" spcFirstLastPara="1" rIns="91425" wrap="square" tIns="91425">
-            <a:normAutofit/>
-          </a:bodyPr>
-          <a:lstStyle/>
-          <a:p>
-            <a:pPr indent="0" lvl="0" marL="0" rtl="0" algn="l">
-              <a:spcBef>
-                <a:spcPts val="0"/>
-              </a:spcBef>
-              <a:spcAft>
-                <a:spcPts val="1200"/>
-              </a:spcAft>
-              <a:buNone/>
-            </a:pPr>
-            <a:r>
-              <a:t/>
-            </a:r>
-            <a:endParaRPr/>
-          </a:p>
-        </p:txBody>
-      </p:sp>
-      <p:pic>
-        <p:nvPicPr>
-          <p:cNvPr id="208" name="Google Shape;208;p43"/>
-          <p:cNvPicPr preferRelativeResize="0"/>
-          <p:nvPr/>
-        </p:nvPicPr>
-        <p:blipFill>
-          <a:blip r:embed="rId3">
-            <a:alphaModFix/>
-          </a:blip>
-          <a:stretch>
-            <a:fillRect/>
-          </a:stretch>
-        </p:blipFill>
-        <p:spPr>
-          <a:xfrm>
-            <a:off x="151327" y="0"/>
-            <a:ext cx="2440547" cy="5486401"/>
-          </a:xfrm>
-          <a:prstGeom prst="rect">
-            <a:avLst/>
-          </a:prstGeom>
-          <a:noFill/>
-          <a:ln>
-            <a:noFill/>
-          </a:ln>
-        </p:spPr>
-      </p:pic>
-    </p:spTree>
-  </p:cSld>
-  <p:clrMapOvr>
-    <a:masterClrMapping/>
-  </p:clrMapOvr>
-</p:sld>
-</file>
-
-<file path=ppt/slides/slide32.xml><?xml version="1.0" encoding="utf-8"?>
-<p:sld xmlns:a="http://schemas.openxmlformats.org/drawingml/2006/main" xmlns:r="http://schemas.openxmlformats.org/officeDocument/2006/relationships" xmlns:mc="http://schemas.openxmlformats.org/markup-compatibility/2006" xmlns:mv="urn:schemas-microsoft-com:mac:vml" xmlns:p="http://schemas.openxmlformats.org/presentationml/2006/main" xmlns:c="http://schemas.openxmlformats.org/drawingml/2006/chart" xmlns:dgm="http://schemas.openxmlformats.org/drawingml/2006/diagram" xmlns:o="urn:schemas-microsoft-com:office:office" xmlns:v="urn:schemas-microsoft-com:vml" xmlns:pvml="urn:schemas-microsoft-com:office:powerpoint" xmlns:com="http://schemas.openxmlformats.org/drawingml/2006/compatibility" xmlns:p14="http://schemas.microsoft.com/office/powerpoint/2010/main" xmlns:p15="http://schemas.microsoft.com/office/powerpoint/2012/main" xmlns:ahyp="http://schemas.microsoft.com/office/drawing/2018/hyperlinkcolor">
-  <p:cSld>
-    <p:spTree>
-      <p:nvGrpSpPr>
-        <p:cNvPr id="212" name="Shape 212"/>
-        <p:cNvGrpSpPr/>
-        <p:nvPr/>
-      </p:nvGrpSpPr>
-      <p:grpSpPr>
-        <a:xfrm>
-          <a:off x="0" y="0"/>
-          <a:ext cx="0" cy="0"/>
-          <a:chOff x="0" y="0"/>
-          <a:chExt cx="0" cy="0"/>
-        </a:xfrm>
-      </p:grpSpPr>
-      <p:pic>
-        <p:nvPicPr>
-          <p:cNvPr id="213" name="Google Shape;213;p44"/>
-          <p:cNvPicPr preferRelativeResize="0"/>
-          <p:nvPr/>
-        </p:nvPicPr>
-        <p:blipFill>
-          <a:blip r:embed="rId3">
-            <a:alphaModFix/>
-          </a:blip>
-          <a:stretch>
-            <a:fillRect/>
-          </a:stretch>
-        </p:blipFill>
-        <p:spPr>
-          <a:xfrm>
-            <a:off x="152400" y="152400"/>
-            <a:ext cx="2299563" cy="5181600"/>
-          </a:xfrm>
-          <a:prstGeom prst="rect">
-            <a:avLst/>
-          </a:prstGeom>
-          <a:noFill/>
-          <a:ln>
-            <a:noFill/>
-          </a:ln>
-        </p:spPr>
-      </p:pic>
-    </p:spTree>
-  </p:cSld>
-  <p:clrMapOvr>
-    <a:masterClrMapping/>
-  </p:clrMapOvr>
-</p:sld>
-</file>
-
-<file path=ppt/slides/slide33.xml><?xml version="1.0" encoding="utf-8"?>
-<p:sld xmlns:a="http://schemas.openxmlformats.org/drawingml/2006/main" xmlns:r="http://schemas.openxmlformats.org/officeDocument/2006/relationships" xmlns:mc="http://schemas.openxmlformats.org/markup-compatibility/2006" xmlns:mv="urn:schemas-microsoft-com:mac:vml" xmlns:p="http://schemas.openxmlformats.org/presentationml/2006/main" xmlns:c="http://schemas.openxmlformats.org/drawingml/2006/chart" xmlns:dgm="http://schemas.openxmlformats.org/drawingml/2006/diagram" xmlns:o="urn:schemas-microsoft-com:office:office" xmlns:v="urn:schemas-microsoft-com:vml" xmlns:pvml="urn:schemas-microsoft-com:office:powerpoint" xmlns:com="http://schemas.openxmlformats.org/drawingml/2006/compatibility" xmlns:p14="http://schemas.microsoft.com/office/powerpoint/2010/main" xmlns:p15="http://schemas.microsoft.com/office/powerpoint/2012/main" xmlns:ahyp="http://schemas.microsoft.com/office/drawing/2018/hyperlinkcolor">
-  <p:cSld>
-    <p:spTree>
-      <p:nvGrpSpPr>
-        <p:cNvPr id="217" name="Shape 217"/>
-        <p:cNvGrpSpPr/>
-        <p:nvPr/>
-      </p:nvGrpSpPr>
-      <p:grpSpPr>
-        <a:xfrm>
-          <a:off x="0" y="0"/>
-          <a:ext cx="0" cy="0"/>
-          <a:chOff x="0" y="0"/>
-          <a:chExt cx="0" cy="0"/>
-        </a:xfrm>
-      </p:grpSpPr>
-      <p:pic>
-        <p:nvPicPr>
-          <p:cNvPr id="218" name="Google Shape;218;p45"/>
-          <p:cNvPicPr preferRelativeResize="0"/>
-          <p:nvPr/>
-        </p:nvPicPr>
-        <p:blipFill>
-          <a:blip r:embed="rId3">
-            <a:alphaModFix/>
-          </a:blip>
-          <a:stretch>
-            <a:fillRect/>
-          </a:stretch>
-        </p:blipFill>
-        <p:spPr>
-          <a:xfrm>
-            <a:off x="152400" y="152400"/>
-            <a:ext cx="2316688" cy="5181600"/>
-          </a:xfrm>
-          <a:prstGeom prst="rect">
-            <a:avLst/>
-          </a:prstGeom>
-          <a:noFill/>
-          <a:ln>
-            <a:noFill/>
-          </a:ln>
-        </p:spPr>
-      </p:pic>
-    </p:spTree>
-  </p:cSld>
-  <p:clrMapOvr>
-    <a:masterClrMapping/>
-  </p:clrMapOvr>
-</p:sld>
-</file>
-
-<file path=ppt/slides/slide34.xml><?xml version="1.0" encoding="utf-8"?>
-<p:sld xmlns:a="http://schemas.openxmlformats.org/drawingml/2006/main" xmlns:r="http://schemas.openxmlformats.org/officeDocument/2006/relationships" xmlns:mc="http://schemas.openxmlformats.org/markup-compatibility/2006" xmlns:mv="urn:schemas-microsoft-com:mac:vml" xmlns:p="http://schemas.openxmlformats.org/presentationml/2006/main" xmlns:c="http://schemas.openxmlformats.org/drawingml/2006/chart" xmlns:dgm="http://schemas.openxmlformats.org/drawingml/2006/diagram" xmlns:o="urn:schemas-microsoft-com:office:office" xmlns:v="urn:schemas-microsoft-com:vml" xmlns:pvml="urn:schemas-microsoft-com:office:powerpoint" xmlns:com="http://schemas.openxmlformats.org/drawingml/2006/compatibility" xmlns:p14="http://schemas.microsoft.com/office/powerpoint/2010/main" xmlns:p15="http://schemas.microsoft.com/office/powerpoint/2012/main" xmlns:ahyp="http://schemas.microsoft.com/office/drawing/2018/hyperlinkcolor">
-  <p:cSld>
-    <p:spTree>
-      <p:nvGrpSpPr>
-        <p:cNvPr id="222" name="Shape 222"/>
-        <p:cNvGrpSpPr/>
-        <p:nvPr/>
-      </p:nvGrpSpPr>
-      <p:grpSpPr>
-        <a:xfrm>
-          <a:off x="0" y="0"/>
-          <a:ext cx="0" cy="0"/>
-          <a:chOff x="0" y="0"/>
-          <a:chExt cx="0" cy="0"/>
-        </a:xfrm>
-      </p:grpSpPr>
-      <p:pic>
-        <p:nvPicPr>
-          <p:cNvPr id="223" name="Google Shape;223;p46"/>
-          <p:cNvPicPr preferRelativeResize="0"/>
-          <p:nvPr/>
-        </p:nvPicPr>
-        <p:blipFill>
-          <a:blip r:embed="rId3">
-            <a:alphaModFix/>
-          </a:blip>
-          <a:stretch>
-            <a:fillRect/>
-          </a:stretch>
-        </p:blipFill>
-        <p:spPr>
-          <a:xfrm>
-            <a:off x="152400" y="152400"/>
-            <a:ext cx="2277035" cy="5181599"/>
+            <a:ext cx="2288764" cy="5181600"/>
           </a:xfrm>
           <a:prstGeom prst="rect">
             <a:avLst/>
@@ -11322,7 +8785,7 @@
         <p:spPr>
           <a:xfrm>
             <a:off x="152400" y="152400"/>
-            <a:ext cx="2315183" cy="5181600"/>
+            <a:ext cx="2309787" cy="5181599"/>
           </a:xfrm>
           <a:prstGeom prst="rect">
             <a:avLst/>
@@ -11375,7 +8838,7 @@
         <p:spPr>
           <a:xfrm>
             <a:off x="152400" y="152400"/>
-            <a:ext cx="2296316" cy="5181600"/>
+            <a:ext cx="2309787" cy="5181599"/>
           </a:xfrm>
           <a:prstGeom prst="rect">
             <a:avLst/>
@@ -11411,34 +8874,134 @@
           <a:chExt cx="0" cy="0"/>
         </a:xfrm>
       </p:grpSpPr>
-      <p:pic>
-        <p:nvPicPr>
+      <p:sp>
+        <p:nvSpPr>
           <p:cNvPr id="80" name="Google Shape;80;p18"/>
-          <p:cNvPicPr preferRelativeResize="0"/>
-          <p:nvPr/>
-        </p:nvPicPr>
-        <p:blipFill>
-          <a:blip r:embed="rId3">
-            <a:alphaModFix/>
-          </a:blip>
-          <a:stretch>
-            <a:fillRect/>
-          </a:stretch>
-        </p:blipFill>
-        <p:spPr>
-          <a:xfrm>
-            <a:off x="152400" y="152400"/>
-            <a:ext cx="2299252" cy="5181600"/>
+          <p:cNvSpPr txBox="1"/>
+          <p:nvPr>
+            <p:ph type="title"/>
+          </p:nvPr>
+        </p:nvSpPr>
+        <p:spPr>
+          <a:xfrm>
+            <a:off x="93500" y="474726"/>
+            <a:ext cx="2556300" cy="2408700"/>
           </a:xfrm>
           <a:prstGeom prst="rect">
             <a:avLst/>
           </a:prstGeom>
-          <a:noFill/>
-          <a:ln>
-            <a:noFill/>
-          </a:ln>
-        </p:spPr>
-      </p:pic>
+        </p:spPr>
+        <p:txBody>
+          <a:bodyPr anchorCtr="0" anchor="t" bIns="91425" lIns="91425" spcFirstLastPara="1" rIns="91425" wrap="square" tIns="91425">
+            <a:noAutofit/>
+          </a:bodyPr>
+          <a:lstStyle/>
+          <a:p>
+            <a:pPr indent="0" lvl="0" marL="0" rtl="0" algn="l">
+              <a:spcBef>
+                <a:spcPts val="0"/>
+              </a:spcBef>
+              <a:spcAft>
+                <a:spcPts val="0"/>
+              </a:spcAft>
+              <a:buSzPts val="990"/>
+              <a:buNone/>
+            </a:pPr>
+            <a:r>
+              <a:rPr b="1" lang="en" sz="1620"/>
+              <a:t>User Task 2</a:t>
+            </a:r>
+            <a:r>
+              <a:rPr lang="en" sz="1620"/>
+              <a:t>: Inform Alex that he made a wrong payment</a:t>
+            </a:r>
+            <a:endParaRPr sz="1620"/>
+          </a:p>
+        </p:txBody>
+      </p:sp>
+      <p:sp>
+        <p:nvSpPr>
+          <p:cNvPr id="81" name="Google Shape;81;p18"/>
+          <p:cNvSpPr txBox="1"/>
+          <p:nvPr>
+            <p:ph idx="1" type="body"/>
+          </p:nvPr>
+        </p:nvSpPr>
+        <p:spPr>
+          <a:xfrm>
+            <a:off x="71250" y="3031948"/>
+            <a:ext cx="2600700" cy="1435800"/>
+          </a:xfrm>
+          <a:prstGeom prst="rect">
+            <a:avLst/>
+          </a:prstGeom>
+        </p:spPr>
+        <p:txBody>
+          <a:bodyPr anchorCtr="0" anchor="t" bIns="91425" lIns="91425" spcFirstLastPara="1" rIns="91425" wrap="square" tIns="91425">
+            <a:normAutofit/>
+          </a:bodyPr>
+          <a:lstStyle/>
+          <a:p>
+            <a:pPr indent="0" lvl="0" marL="0" rtl="0" algn="l">
+              <a:lnSpc>
+                <a:spcPct val="105000"/>
+              </a:lnSpc>
+              <a:spcBef>
+                <a:spcPts val="0"/>
+              </a:spcBef>
+              <a:spcAft>
+                <a:spcPts val="0"/>
+              </a:spcAft>
+              <a:buSzPts val="770"/>
+              <a:buNone/>
+            </a:pPr>
+            <a:r>
+              <a:rPr b="1" lang="en" sz="1600">
+                <a:solidFill>
+                  <a:schemeClr val="dk1"/>
+                </a:solidFill>
+              </a:rPr>
+              <a:t>Personas: </a:t>
+            </a:r>
+            <a:r>
+              <a:rPr lang="en" sz="1600">
+                <a:solidFill>
+                  <a:schemeClr val="dk1"/>
+                </a:solidFill>
+              </a:rPr>
+              <a:t>Abby Jones</a:t>
+            </a:r>
+            <a:endParaRPr sz="1600">
+              <a:solidFill>
+                <a:schemeClr val="dk1"/>
+              </a:solidFill>
+            </a:endParaRPr>
+          </a:p>
+          <a:p>
+            <a:pPr indent="0" lvl="0" marL="0" rtl="0" algn="l">
+              <a:lnSpc>
+                <a:spcPct val="105000"/>
+              </a:lnSpc>
+              <a:spcBef>
+                <a:spcPts val="1200"/>
+              </a:spcBef>
+              <a:spcAft>
+                <a:spcPts val="1200"/>
+              </a:spcAft>
+              <a:buSzPts val="770"/>
+              <a:buNone/>
+            </a:pPr>
+            <a:r>
+              <a:t/>
+            </a:r>
+            <a:endParaRPr sz="1200">
+              <a:solidFill>
+                <a:schemeClr val="dk1"/>
+              </a:solidFill>
+            </a:endParaRPr>
+          </a:p>
+        </p:txBody>
+      </p:sp>
     </p:spTree>
   </p:cSld>
   <p:clrMapOvr>
@@ -11452,7 +9015,7 @@
   <p:cSld>
     <p:spTree>
       <p:nvGrpSpPr>
-        <p:cNvPr id="84" name="Shape 84"/>
+        <p:cNvPr id="85" name="Shape 85"/>
         <p:cNvGrpSpPr/>
         <p:nvPr/>
       </p:nvGrpSpPr>
@@ -11466,7 +9029,7 @@
       </p:grpSpPr>
       <p:pic>
         <p:nvPicPr>
-          <p:cNvPr id="85" name="Google Shape;85;p19"/>
+          <p:cNvPr id="86" name="Google Shape;86;p19"/>
           <p:cNvPicPr preferRelativeResize="0"/>
           <p:nvPr/>
         </p:nvPicPr>
@@ -11481,7 +9044,7 @@
         <p:spPr>
           <a:xfrm>
             <a:off x="152400" y="152400"/>
-            <a:ext cx="2294708" cy="5181599"/>
+            <a:ext cx="2351433" cy="5181600"/>
           </a:xfrm>
           <a:prstGeom prst="rect">
             <a:avLst/>
@@ -11505,7 +9068,7 @@
   <p:cSld>
     <p:spTree>
       <p:nvGrpSpPr>
-        <p:cNvPr id="89" name="Shape 89"/>
+        <p:cNvPr id="90" name="Shape 90"/>
         <p:cNvGrpSpPr/>
         <p:nvPr/>
       </p:nvGrpSpPr>
@@ -11519,7 +9082,7 @@
       </p:grpSpPr>
       <p:pic>
         <p:nvPicPr>
-          <p:cNvPr id="90" name="Google Shape;90;p20"/>
+          <p:cNvPr id="91" name="Google Shape;91;p20"/>
           <p:cNvPicPr preferRelativeResize="0"/>
           <p:nvPr/>
         </p:nvPicPr>
@@ -11534,7 +9097,7 @@
         <p:spPr>
           <a:xfrm>
             <a:off x="152400" y="152400"/>
-            <a:ext cx="2309787" cy="5181599"/>
+            <a:ext cx="2351433" cy="5181600"/>
           </a:xfrm>
           <a:prstGeom prst="rect">
             <a:avLst/>
@@ -11558,7 +9121,7 @@
   <p:cSld>
     <p:spTree>
       <p:nvGrpSpPr>
-        <p:cNvPr id="94" name="Shape 94"/>
+        <p:cNvPr id="95" name="Shape 95"/>
         <p:cNvGrpSpPr/>
         <p:nvPr/>
       </p:nvGrpSpPr>
@@ -11572,7 +9135,7 @@
       </p:grpSpPr>
       <p:pic>
         <p:nvPicPr>
-          <p:cNvPr id="95" name="Google Shape;95;p21"/>
+          <p:cNvPr id="96" name="Google Shape;96;p21"/>
           <p:cNvPicPr preferRelativeResize="0"/>
           <p:nvPr/>
         </p:nvPicPr>
@@ -11587,7 +9150,7 @@
         <p:spPr>
           <a:xfrm>
             <a:off x="152400" y="152400"/>
-            <a:ext cx="2309787" cy="5181599"/>
+            <a:ext cx="2351433" cy="5181600"/>
           </a:xfrm>
           <a:prstGeom prst="rect">
             <a:avLst/>
